--- a/信息学奥赛/信息学奥赛CSP-JS数据结构与算法/08-动态规划/背包问题.pptx
+++ b/信息学奥赛/信息学奥赛CSP-JS数据结构与算法/08-动态规划/背包问题.pptx
@@ -1,27 +1,33 @@
 
 <file path=ppt/presentation.xml><?xml version="1.0" encoding="utf-8"?>
-<p:presentation xmlns:a="http://schemas.openxmlformats.org/drawingml/2006/main" xmlns:r="http://schemas.openxmlformats.org/officeDocument/2006/relationships" xmlns:p="http://schemas.openxmlformats.org/presentationml/2006/main" saveSubsetFonts="1">
+<p:presentation xmlns:a="http://schemas.openxmlformats.org/drawingml/2006/main" xmlns:r="http://schemas.openxmlformats.org/officeDocument/2006/relationships" xmlns:p="http://schemas.openxmlformats.org/presentationml/2006/main">
   <p:sldMasterIdLst>
     <p:sldMasterId id="2147483648" r:id="rId1"/>
   </p:sldMasterIdLst>
   <p:notesMasterIdLst>
-    <p:notesMasterId r:id="rId13"/>
+    <p:notesMasterId r:id="rId14"/>
   </p:notesMasterIdLst>
+  <p:handoutMasterIdLst>
+    <p:handoutMasterId r:id="rId15"/>
+  </p:handoutMasterIdLst>
   <p:sldIdLst>
-    <p:sldId id="257" r:id="rId2"/>
-    <p:sldId id="258" r:id="rId3"/>
-    <p:sldId id="259" r:id="rId4"/>
-    <p:sldId id="260" r:id="rId5"/>
-    <p:sldId id="261" r:id="rId6"/>
-    <p:sldId id="262" r:id="rId7"/>
-    <p:sldId id="263" r:id="rId8"/>
-    <p:sldId id="264" r:id="rId9"/>
-    <p:sldId id="265" r:id="rId10"/>
-    <p:sldId id="266" r:id="rId11"/>
-    <p:sldId id="267" r:id="rId12"/>
+    <p:sldId id="257" r:id="rId3"/>
+    <p:sldId id="258" r:id="rId4"/>
+    <p:sldId id="259" r:id="rId5"/>
+    <p:sldId id="260" r:id="rId6"/>
+    <p:sldId id="261" r:id="rId7"/>
+    <p:sldId id="262" r:id="rId8"/>
+    <p:sldId id="263" r:id="rId9"/>
+    <p:sldId id="264" r:id="rId10"/>
+    <p:sldId id="265" r:id="rId11"/>
+    <p:sldId id="266" r:id="rId12"/>
+    <p:sldId id="267" r:id="rId13"/>
   </p:sldIdLst>
   <p:sldSz cx="12192000" cy="6858000"/>
   <p:notesSz cx="6858000" cy="9144000"/>
+  <p:custDataLst>
+    <p:tags r:id="rId19"/>
+  </p:custDataLst>
   <p:defaultTextStyle>
     <a:defPPr>
       <a:defRPr lang="zh-CN"/>
@@ -117,12 +123,165 @@
       </a:defRPr>
     </a:lvl9pPr>
   </p:defaultTextStyle>
-  <p:extLst>
-    <p:ext uri="{EFAFB233-063F-42B5-8137-9DF3F51BA10A}">
-      <p15:sldGuideLst xmlns:p15="http://schemas.microsoft.com/office/powerpoint/2012/main"/>
-    </p:ext>
-  </p:extLst>
 </p:presentation>
+</file>
+
+<file path=ppt/handoutMasters/handoutMaster1.xml><?xml version="1.0" encoding="utf-8"?>
+<p:handoutMaster xmlns:a="http://schemas.openxmlformats.org/drawingml/2006/main" xmlns:r="http://schemas.openxmlformats.org/officeDocument/2006/relationships" xmlns:p="http://schemas.openxmlformats.org/presentationml/2006/main">
+  <p:cSld>
+    <p:bg>
+      <p:bgRef idx="1001">
+        <a:schemeClr val="bg1"/>
+      </p:bgRef>
+    </p:bg>
+    <p:spTree>
+      <p:nvGrpSpPr>
+        <p:cNvPr id="1" name=""/>
+        <p:cNvGrpSpPr/>
+        <p:nvPr/>
+      </p:nvGrpSpPr>
+      <p:grpSpPr>
+        <a:xfrm>
+          <a:off x="0" y="0"/>
+          <a:ext cx="0" cy="0"/>
+          <a:chOff x="0" y="0"/>
+          <a:chExt cx="0" cy="0"/>
+        </a:xfrm>
+      </p:grpSpPr>
+      <p:sp>
+        <p:nvSpPr>
+          <p:cNvPr id="2" name="页眉占位符 1"/>
+          <p:cNvSpPr>
+            <a:spLocks noGrp="1"/>
+          </p:cNvSpPr>
+          <p:nvPr>
+            <p:ph type="hdr" sz="quarter"/>
+          </p:nvPr>
+        </p:nvSpPr>
+        <p:spPr>
+          <a:xfrm>
+            <a:off x="0" y="0"/>
+            <a:ext cx="2971800" cy="458788"/>
+          </a:xfrm>
+          <a:prstGeom prst="rect">
+            <a:avLst/>
+          </a:prstGeom>
+        </p:spPr>
+        <p:txBody>
+          <a:bodyPr vert="horz" lIns="91440" tIns="45720" rIns="91440" bIns="45720" rtlCol="0"/>
+          <a:lstStyle>
+            <a:lvl1pPr algn="l">
+              <a:defRPr sz="1200"/>
+            </a:lvl1pPr>
+          </a:lstStyle>
+          <a:p>
+            <a:endParaRPr lang="zh-CN" altLang="en-US"/>
+          </a:p>
+        </p:txBody>
+      </p:sp>
+      <p:sp>
+        <p:nvSpPr>
+          <p:cNvPr id="3" name="日期占位符 2"/>
+          <p:cNvSpPr>
+            <a:spLocks noGrp="1"/>
+          </p:cNvSpPr>
+          <p:nvPr>
+            <p:ph type="dt" sz="quarter" idx="1"/>
+          </p:nvPr>
+        </p:nvSpPr>
+        <p:spPr>
+          <a:xfrm>
+            <a:off x="3884613" y="0"/>
+            <a:ext cx="2971800" cy="458788"/>
+          </a:xfrm>
+          <a:prstGeom prst="rect">
+            <a:avLst/>
+          </a:prstGeom>
+        </p:spPr>
+        <p:txBody>
+          <a:bodyPr vert="horz" lIns="91440" tIns="45720" rIns="91440" bIns="45720" rtlCol="0"/>
+          <a:lstStyle>
+            <a:lvl1pPr algn="r">
+              <a:defRPr sz="1200"/>
+            </a:lvl1pPr>
+          </a:lstStyle>
+          <a:p>
+            <a:fld id="{0F9B84EA-7D68-4D60-9CB1-D50884785D1C}" type="datetimeFigureOut">
+              <a:rPr lang="zh-CN" altLang="en-US" smtClean="0"/>
+            </a:fld>
+            <a:endParaRPr lang="zh-CN" altLang="en-US"/>
+          </a:p>
+        </p:txBody>
+      </p:sp>
+      <p:sp>
+        <p:nvSpPr>
+          <p:cNvPr id="4" name="页脚占位符 3"/>
+          <p:cNvSpPr>
+            <a:spLocks noGrp="1"/>
+          </p:cNvSpPr>
+          <p:nvPr>
+            <p:ph type="ftr" sz="quarter" idx="2"/>
+          </p:nvPr>
+        </p:nvSpPr>
+        <p:spPr>
+          <a:xfrm>
+            <a:off x="0" y="8685213"/>
+            <a:ext cx="2971800" cy="458787"/>
+          </a:xfrm>
+          <a:prstGeom prst="rect">
+            <a:avLst/>
+          </a:prstGeom>
+        </p:spPr>
+        <p:txBody>
+          <a:bodyPr vert="horz" lIns="91440" tIns="45720" rIns="91440" bIns="45720" rtlCol="0" anchor="b"/>
+          <a:lstStyle>
+            <a:lvl1pPr algn="l">
+              <a:defRPr sz="1200"/>
+            </a:lvl1pPr>
+          </a:lstStyle>
+          <a:p>
+            <a:endParaRPr lang="zh-CN" altLang="en-US"/>
+          </a:p>
+        </p:txBody>
+      </p:sp>
+      <p:sp>
+        <p:nvSpPr>
+          <p:cNvPr id="5" name="灯片编号占位符 4"/>
+          <p:cNvSpPr>
+            <a:spLocks noGrp="1"/>
+          </p:cNvSpPr>
+          <p:nvPr>
+            <p:ph type="sldNum" sz="quarter" idx="3"/>
+          </p:nvPr>
+        </p:nvSpPr>
+        <p:spPr>
+          <a:xfrm>
+            <a:off x="3884613" y="8685213"/>
+            <a:ext cx="2971800" cy="458787"/>
+          </a:xfrm>
+          <a:prstGeom prst="rect">
+            <a:avLst/>
+          </a:prstGeom>
+        </p:spPr>
+        <p:txBody>
+          <a:bodyPr vert="horz" lIns="91440" tIns="45720" rIns="91440" bIns="45720" rtlCol="0" anchor="b"/>
+          <a:lstStyle>
+            <a:lvl1pPr algn="r">
+              <a:defRPr sz="1200"/>
+            </a:lvl1pPr>
+          </a:lstStyle>
+          <a:p>
+            <a:fld id="{8D4E0FC9-F1F8-4FAE-9988-3BA365CFD46F}" type="slidenum">
+              <a:rPr lang="zh-CN" altLang="en-US" smtClean="0"/>
+            </a:fld>
+            <a:endParaRPr lang="zh-CN" altLang="en-US"/>
+          </a:p>
+        </p:txBody>
+      </p:sp>
+    </p:spTree>
+  </p:cSld>
+  <p:clrMap bg1="lt1" tx1="dk1" bg2="lt2" tx2="dk2" accent1="accent1" accent2="accent2" accent3="accent3" accent4="accent4" accent5="accent5" accent6="accent6" hlink="hlink" folHlink="folHlink"/>
+</p:handoutMaster>
 </file>
 
 <file path=ppt/notesMasters/notesMaster1.xml><?xml version="1.0" encoding="utf-8"?>
@@ -207,7 +366,6 @@
           <a:p>
             <a:fld id="{E784708E-65DA-48F0-A195-D7A7A966062D}" type="datetimeFigureOut">
               <a:rPr lang="zh-CN" altLang="en-US" smtClean="0"/>
-              <a:t>2021/9/8</a:t>
             </a:fld>
             <a:endParaRPr lang="zh-CN" altLang="en-US"/>
           </a:p>
@@ -274,6 +432,7 @@
               <a:rPr lang="zh-CN" altLang="en-US"/>
               <a:t>单击此处编辑母版文本样式</a:t>
             </a:r>
+            <a:endParaRPr lang="zh-CN" altLang="en-US"/>
           </a:p>
           <a:p>
             <a:pPr lvl="1"/>
@@ -281,6 +440,7 @@
               <a:rPr lang="zh-CN" altLang="en-US"/>
               <a:t>第二级</a:t>
             </a:r>
+            <a:endParaRPr lang="zh-CN" altLang="en-US"/>
           </a:p>
           <a:p>
             <a:pPr lvl="2"/>
@@ -288,6 +448,7 @@
               <a:rPr lang="zh-CN" altLang="en-US"/>
               <a:t>第三级</a:t>
             </a:r>
+            <a:endParaRPr lang="zh-CN" altLang="en-US"/>
           </a:p>
           <a:p>
             <a:pPr lvl="3"/>
@@ -295,6 +456,7 @@
               <a:rPr lang="zh-CN" altLang="en-US"/>
               <a:t>第四级</a:t>
             </a:r>
+            <a:endParaRPr lang="zh-CN" altLang="en-US"/>
           </a:p>
           <a:p>
             <a:pPr lvl="4"/>
@@ -302,6 +464,7 @@
               <a:rPr lang="zh-CN" altLang="en-US"/>
               <a:t>第五级</a:t>
             </a:r>
+            <a:endParaRPr lang="zh-CN" altLang="en-US"/>
           </a:p>
         </p:txBody>
       </p:sp>
@@ -365,18 +528,12 @@
           <a:p>
             <a:fld id="{6CCB4E5C-3170-491F-B8C5-619619FB2E2C}" type="slidenum">
               <a:rPr lang="zh-CN" altLang="en-US" smtClean="0"/>
-              <a:t>‹#›</a:t>
             </a:fld>
             <a:endParaRPr lang="zh-CN" altLang="en-US"/>
           </a:p>
         </p:txBody>
       </p:sp>
     </p:spTree>
-    <p:extLst>
-      <p:ext uri="{BB962C8B-B14F-4D97-AF65-F5344CB8AC3E}">
-        <p14:creationId xmlns:p14="http://schemas.microsoft.com/office/powerpoint/2010/main" val="2119698573"/>
-      </p:ext>
-    </p:extLst>
   </p:cSld>
   <p:clrMap bg1="lt1" tx1="dk1" bg2="lt2" tx2="dk2" accent1="accent1" accent2="accent2" accent3="accent3" accent4="accent4" accent5="accent5" accent6="accent6" hlink="hlink" folHlink="folHlink"/>
   <p:notesStyle>
@@ -493,13 +650,7 @@
       </p:grpSpPr>
       <p:sp>
         <p:nvSpPr>
-          <p:cNvPr id="2" name="标题 1">
-            <a:extLst>
-              <a:ext uri="{FF2B5EF4-FFF2-40B4-BE49-F238E27FC236}">
-                <a16:creationId xmlns:a16="http://schemas.microsoft.com/office/drawing/2014/main" id="{E591E62E-4716-44D5-A331-CA3FA2FCD761}"/>
-              </a:ext>
-            </a:extLst>
-          </p:cNvPr>
+          <p:cNvPr id="2" name="标题 1"/>
           <p:cNvSpPr>
             <a:spLocks noGrp="1"/>
           </p:cNvSpPr>
@@ -528,18 +679,13 @@
               <a:rPr lang="zh-CN" altLang="en-US"/>
               <a:t>单击此处编辑母版标题样式</a:t>
             </a:r>
-          </a:p>
-        </p:txBody>
-      </p:sp>
-      <p:sp>
-        <p:nvSpPr>
-          <p:cNvPr id="3" name="副标题 2">
-            <a:extLst>
-              <a:ext uri="{FF2B5EF4-FFF2-40B4-BE49-F238E27FC236}">
-                <a16:creationId xmlns:a16="http://schemas.microsoft.com/office/drawing/2014/main" id="{8FCD5296-6C1D-45DB-A95B-22BF2F776E6A}"/>
-              </a:ext>
-            </a:extLst>
-          </p:cNvPr>
+            <a:endParaRPr lang="zh-CN" altLang="en-US"/>
+          </a:p>
+        </p:txBody>
+      </p:sp>
+      <p:sp>
+        <p:nvSpPr>
+          <p:cNvPr id="3" name="副标题 2"/>
           <p:cNvSpPr>
             <a:spLocks noGrp="1"/>
           </p:cNvSpPr>
@@ -601,18 +747,13 @@
               <a:rPr lang="zh-CN" altLang="en-US"/>
               <a:t>单击此处编辑母版副标题样式</a:t>
             </a:r>
-          </a:p>
-        </p:txBody>
-      </p:sp>
-      <p:sp>
-        <p:nvSpPr>
-          <p:cNvPr id="4" name="日期占位符 3">
-            <a:extLst>
-              <a:ext uri="{FF2B5EF4-FFF2-40B4-BE49-F238E27FC236}">
-                <a16:creationId xmlns:a16="http://schemas.microsoft.com/office/drawing/2014/main" id="{E46C8CA6-ED8B-4007-8593-9DF19A258BC6}"/>
-              </a:ext>
-            </a:extLst>
-          </p:cNvPr>
+            <a:endParaRPr lang="zh-CN" altLang="en-US"/>
+          </a:p>
+        </p:txBody>
+      </p:sp>
+      <p:sp>
+        <p:nvSpPr>
+          <p:cNvPr id="4" name="日期占位符 3"/>
           <p:cNvSpPr>
             <a:spLocks noGrp="1"/>
           </p:cNvSpPr>
@@ -635,7 +776,6 @@
           <a:p>
             <a:fld id="{CA25C14C-9F7E-4FA0-8E24-92D7A1B74D5E}" type="datetimeFigureOut">
               <a:rPr lang="zh-CN" altLang="en-US" smtClean="0"/>
-              <a:t>2021/9/8</a:t>
             </a:fld>
             <a:endParaRPr lang="zh-CN" altLang="en-US"/>
           </a:p>
@@ -643,13 +783,7 @@
       </p:sp>
       <p:sp>
         <p:nvSpPr>
-          <p:cNvPr id="5" name="页脚占位符 4">
-            <a:extLst>
-              <a:ext uri="{FF2B5EF4-FFF2-40B4-BE49-F238E27FC236}">
-                <a16:creationId xmlns:a16="http://schemas.microsoft.com/office/drawing/2014/main" id="{EBC8C87B-F17F-41A3-984D-5DF04169AB9E}"/>
-              </a:ext>
-            </a:extLst>
-          </p:cNvPr>
+          <p:cNvPr id="5" name="页脚占位符 4"/>
           <p:cNvSpPr>
             <a:spLocks noGrp="1"/>
           </p:cNvSpPr>
@@ -676,13 +810,7 @@
       </p:sp>
       <p:sp>
         <p:nvSpPr>
-          <p:cNvPr id="6" name="灯片编号占位符 5">
-            <a:extLst>
-              <a:ext uri="{FF2B5EF4-FFF2-40B4-BE49-F238E27FC236}">
-                <a16:creationId xmlns:a16="http://schemas.microsoft.com/office/drawing/2014/main" id="{2FAB650E-3225-4F64-97BD-884B9B3E9D43}"/>
-              </a:ext>
-            </a:extLst>
-          </p:cNvPr>
+          <p:cNvPr id="6" name="灯片编号占位符 5"/>
           <p:cNvSpPr>
             <a:spLocks noGrp="1"/>
           </p:cNvSpPr>
@@ -705,18 +833,12 @@
           <a:p>
             <a:fld id="{33D7B226-0A4B-4C06-A843-41F61B9D7408}" type="slidenum">
               <a:rPr lang="zh-CN" altLang="en-US" smtClean="0"/>
-              <a:t>‹#›</a:t>
             </a:fld>
             <a:endParaRPr lang="zh-CN" altLang="en-US"/>
           </a:p>
         </p:txBody>
       </p:sp>
     </p:spTree>
-    <p:extLst>
-      <p:ext uri="{BB962C8B-B14F-4D97-AF65-F5344CB8AC3E}">
-        <p14:creationId xmlns:p14="http://schemas.microsoft.com/office/powerpoint/2010/main" val="2727119171"/>
-      </p:ext>
-    </p:extLst>
   </p:cSld>
   <p:clrMapOvr>
     <a:masterClrMapping/>
@@ -743,13 +865,7 @@
       </p:grpSpPr>
       <p:sp>
         <p:nvSpPr>
-          <p:cNvPr id="2" name="标题 1">
-            <a:extLst>
-              <a:ext uri="{FF2B5EF4-FFF2-40B4-BE49-F238E27FC236}">
-                <a16:creationId xmlns:a16="http://schemas.microsoft.com/office/drawing/2014/main" id="{DCFA48D0-B602-4073-9C3C-D7E863EC3749}"/>
-              </a:ext>
-            </a:extLst>
-          </p:cNvPr>
+          <p:cNvPr id="2" name="标题 1"/>
           <p:cNvSpPr>
             <a:spLocks noGrp="1"/>
           </p:cNvSpPr>
@@ -774,18 +890,13 @@
               <a:rPr lang="zh-CN" altLang="en-US"/>
               <a:t>单击此处编辑母版标题样式</a:t>
             </a:r>
-          </a:p>
-        </p:txBody>
-      </p:sp>
-      <p:sp>
-        <p:nvSpPr>
-          <p:cNvPr id="3" name="竖排文字占位符 2">
-            <a:extLst>
-              <a:ext uri="{FF2B5EF4-FFF2-40B4-BE49-F238E27FC236}">
-                <a16:creationId xmlns:a16="http://schemas.microsoft.com/office/drawing/2014/main" id="{6BB0C611-E6A8-4C6C-AC11-D910F7075464}"/>
-              </a:ext>
-            </a:extLst>
-          </p:cNvPr>
+            <a:endParaRPr lang="zh-CN" altLang="en-US"/>
+          </a:p>
+        </p:txBody>
+      </p:sp>
+      <p:sp>
+        <p:nvSpPr>
+          <p:cNvPr id="3" name="竖排文字占位符 2"/>
           <p:cNvSpPr>
             <a:spLocks noGrp="1"/>
           </p:cNvSpPr>
@@ -811,6 +922,7 @@
               <a:rPr lang="zh-CN" altLang="en-US"/>
               <a:t>单击此处编辑母版文本样式</a:t>
             </a:r>
+            <a:endParaRPr lang="zh-CN" altLang="en-US"/>
           </a:p>
           <a:p>
             <a:pPr lvl="1"/>
@@ -818,6 +930,7 @@
               <a:rPr lang="zh-CN" altLang="en-US"/>
               <a:t>二级</a:t>
             </a:r>
+            <a:endParaRPr lang="zh-CN" altLang="en-US"/>
           </a:p>
           <a:p>
             <a:pPr lvl="2"/>
@@ -825,6 +938,7 @@
               <a:rPr lang="zh-CN" altLang="en-US"/>
               <a:t>三级</a:t>
             </a:r>
+            <a:endParaRPr lang="zh-CN" altLang="en-US"/>
           </a:p>
           <a:p>
             <a:pPr lvl="3"/>
@@ -832,6 +946,7 @@
               <a:rPr lang="zh-CN" altLang="en-US"/>
               <a:t>四级</a:t>
             </a:r>
+            <a:endParaRPr lang="zh-CN" altLang="en-US"/>
           </a:p>
           <a:p>
             <a:pPr lvl="4"/>
@@ -839,18 +954,13 @@
               <a:rPr lang="zh-CN" altLang="en-US"/>
               <a:t>五级</a:t>
             </a:r>
-          </a:p>
-        </p:txBody>
-      </p:sp>
-      <p:sp>
-        <p:nvSpPr>
-          <p:cNvPr id="4" name="日期占位符 3">
-            <a:extLst>
-              <a:ext uri="{FF2B5EF4-FFF2-40B4-BE49-F238E27FC236}">
-                <a16:creationId xmlns:a16="http://schemas.microsoft.com/office/drawing/2014/main" id="{9E6A4C7C-6DC2-4B5D-B052-293FF55193D4}"/>
-              </a:ext>
-            </a:extLst>
-          </p:cNvPr>
+            <a:endParaRPr lang="zh-CN" altLang="en-US"/>
+          </a:p>
+        </p:txBody>
+      </p:sp>
+      <p:sp>
+        <p:nvSpPr>
+          <p:cNvPr id="4" name="日期占位符 3"/>
           <p:cNvSpPr>
             <a:spLocks noGrp="1"/>
           </p:cNvSpPr>
@@ -873,7 +983,6 @@
           <a:p>
             <a:fld id="{CA25C14C-9F7E-4FA0-8E24-92D7A1B74D5E}" type="datetimeFigureOut">
               <a:rPr lang="zh-CN" altLang="en-US" smtClean="0"/>
-              <a:t>2021/9/8</a:t>
             </a:fld>
             <a:endParaRPr lang="zh-CN" altLang="en-US"/>
           </a:p>
@@ -881,13 +990,7 @@
       </p:sp>
       <p:sp>
         <p:nvSpPr>
-          <p:cNvPr id="5" name="页脚占位符 4">
-            <a:extLst>
-              <a:ext uri="{FF2B5EF4-FFF2-40B4-BE49-F238E27FC236}">
-                <a16:creationId xmlns:a16="http://schemas.microsoft.com/office/drawing/2014/main" id="{39D79530-DB4F-428C-9344-ED77DC2DA595}"/>
-              </a:ext>
-            </a:extLst>
-          </p:cNvPr>
+          <p:cNvPr id="5" name="页脚占位符 4"/>
           <p:cNvSpPr>
             <a:spLocks noGrp="1"/>
           </p:cNvSpPr>
@@ -914,13 +1017,7 @@
       </p:sp>
       <p:sp>
         <p:nvSpPr>
-          <p:cNvPr id="6" name="灯片编号占位符 5">
-            <a:extLst>
-              <a:ext uri="{FF2B5EF4-FFF2-40B4-BE49-F238E27FC236}">
-                <a16:creationId xmlns:a16="http://schemas.microsoft.com/office/drawing/2014/main" id="{3EC6815A-77A4-4278-A007-936729773578}"/>
-              </a:ext>
-            </a:extLst>
-          </p:cNvPr>
+          <p:cNvPr id="6" name="灯片编号占位符 5"/>
           <p:cNvSpPr>
             <a:spLocks noGrp="1"/>
           </p:cNvSpPr>
@@ -943,18 +1040,12 @@
           <a:p>
             <a:fld id="{33D7B226-0A4B-4C06-A843-41F61B9D7408}" type="slidenum">
               <a:rPr lang="zh-CN" altLang="en-US" smtClean="0"/>
-              <a:t>‹#›</a:t>
             </a:fld>
             <a:endParaRPr lang="zh-CN" altLang="en-US"/>
           </a:p>
         </p:txBody>
       </p:sp>
     </p:spTree>
-    <p:extLst>
-      <p:ext uri="{BB962C8B-B14F-4D97-AF65-F5344CB8AC3E}">
-        <p14:creationId xmlns:p14="http://schemas.microsoft.com/office/powerpoint/2010/main" val="2422656545"/>
-      </p:ext>
-    </p:extLst>
   </p:cSld>
   <p:clrMapOvr>
     <a:masterClrMapping/>
@@ -981,13 +1072,7 @@
       </p:grpSpPr>
       <p:sp>
         <p:nvSpPr>
-          <p:cNvPr id="2" name="竖排标题 1">
-            <a:extLst>
-              <a:ext uri="{FF2B5EF4-FFF2-40B4-BE49-F238E27FC236}">
-                <a16:creationId xmlns:a16="http://schemas.microsoft.com/office/drawing/2014/main" id="{72F138FF-3AAA-4C24-8F62-D961E9C25614}"/>
-              </a:ext>
-            </a:extLst>
-          </p:cNvPr>
+          <p:cNvPr id="2" name="竖排标题 1"/>
           <p:cNvSpPr>
             <a:spLocks noGrp="1"/>
           </p:cNvSpPr>
@@ -1012,18 +1097,13 @@
               <a:rPr lang="zh-CN" altLang="en-US"/>
               <a:t>单击此处编辑母版标题样式</a:t>
             </a:r>
-          </a:p>
-        </p:txBody>
-      </p:sp>
-      <p:sp>
-        <p:nvSpPr>
-          <p:cNvPr id="3" name="竖排文字占位符 2">
-            <a:extLst>
-              <a:ext uri="{FF2B5EF4-FFF2-40B4-BE49-F238E27FC236}">
-                <a16:creationId xmlns:a16="http://schemas.microsoft.com/office/drawing/2014/main" id="{D312E2F7-053B-4417-A958-9541E2EC10B2}"/>
-              </a:ext>
-            </a:extLst>
-          </p:cNvPr>
+            <a:endParaRPr lang="zh-CN" altLang="en-US"/>
+          </a:p>
+        </p:txBody>
+      </p:sp>
+      <p:sp>
+        <p:nvSpPr>
+          <p:cNvPr id="3" name="竖排文字占位符 2"/>
           <p:cNvSpPr>
             <a:spLocks noGrp="1"/>
           </p:cNvSpPr>
@@ -1049,6 +1129,7 @@
               <a:rPr lang="zh-CN" altLang="en-US"/>
               <a:t>单击此处编辑母版文本样式</a:t>
             </a:r>
+            <a:endParaRPr lang="zh-CN" altLang="en-US"/>
           </a:p>
           <a:p>
             <a:pPr lvl="1"/>
@@ -1056,6 +1137,7 @@
               <a:rPr lang="zh-CN" altLang="en-US"/>
               <a:t>二级</a:t>
             </a:r>
+            <a:endParaRPr lang="zh-CN" altLang="en-US"/>
           </a:p>
           <a:p>
             <a:pPr lvl="2"/>
@@ -1063,6 +1145,7 @@
               <a:rPr lang="zh-CN" altLang="en-US"/>
               <a:t>三级</a:t>
             </a:r>
+            <a:endParaRPr lang="zh-CN" altLang="en-US"/>
           </a:p>
           <a:p>
             <a:pPr lvl="3"/>
@@ -1070,6 +1153,7 @@
               <a:rPr lang="zh-CN" altLang="en-US"/>
               <a:t>四级</a:t>
             </a:r>
+            <a:endParaRPr lang="zh-CN" altLang="en-US"/>
           </a:p>
           <a:p>
             <a:pPr lvl="4"/>
@@ -1077,18 +1161,13 @@
               <a:rPr lang="zh-CN" altLang="en-US"/>
               <a:t>五级</a:t>
             </a:r>
-          </a:p>
-        </p:txBody>
-      </p:sp>
-      <p:sp>
-        <p:nvSpPr>
-          <p:cNvPr id="4" name="日期占位符 3">
-            <a:extLst>
-              <a:ext uri="{FF2B5EF4-FFF2-40B4-BE49-F238E27FC236}">
-                <a16:creationId xmlns:a16="http://schemas.microsoft.com/office/drawing/2014/main" id="{B9E67C61-8DC4-4F97-A99C-86D95A97BFEF}"/>
-              </a:ext>
-            </a:extLst>
-          </p:cNvPr>
+            <a:endParaRPr lang="zh-CN" altLang="en-US"/>
+          </a:p>
+        </p:txBody>
+      </p:sp>
+      <p:sp>
+        <p:nvSpPr>
+          <p:cNvPr id="4" name="日期占位符 3"/>
           <p:cNvSpPr>
             <a:spLocks noGrp="1"/>
           </p:cNvSpPr>
@@ -1111,7 +1190,6 @@
           <a:p>
             <a:fld id="{CA25C14C-9F7E-4FA0-8E24-92D7A1B74D5E}" type="datetimeFigureOut">
               <a:rPr lang="zh-CN" altLang="en-US" smtClean="0"/>
-              <a:t>2021/9/8</a:t>
             </a:fld>
             <a:endParaRPr lang="zh-CN" altLang="en-US"/>
           </a:p>
@@ -1119,13 +1197,7 @@
       </p:sp>
       <p:sp>
         <p:nvSpPr>
-          <p:cNvPr id="5" name="页脚占位符 4">
-            <a:extLst>
-              <a:ext uri="{FF2B5EF4-FFF2-40B4-BE49-F238E27FC236}">
-                <a16:creationId xmlns:a16="http://schemas.microsoft.com/office/drawing/2014/main" id="{5AA51CC0-48D3-44B2-B704-603FDEA038E7}"/>
-              </a:ext>
-            </a:extLst>
-          </p:cNvPr>
+          <p:cNvPr id="5" name="页脚占位符 4"/>
           <p:cNvSpPr>
             <a:spLocks noGrp="1"/>
           </p:cNvSpPr>
@@ -1152,13 +1224,7 @@
       </p:sp>
       <p:sp>
         <p:nvSpPr>
-          <p:cNvPr id="6" name="灯片编号占位符 5">
-            <a:extLst>
-              <a:ext uri="{FF2B5EF4-FFF2-40B4-BE49-F238E27FC236}">
-                <a16:creationId xmlns:a16="http://schemas.microsoft.com/office/drawing/2014/main" id="{9CFCED03-51FF-420B-8E13-A5DC0BBFA16C}"/>
-              </a:ext>
-            </a:extLst>
-          </p:cNvPr>
+          <p:cNvPr id="6" name="灯片编号占位符 5"/>
           <p:cNvSpPr>
             <a:spLocks noGrp="1"/>
           </p:cNvSpPr>
@@ -1181,18 +1247,12 @@
           <a:p>
             <a:fld id="{33D7B226-0A4B-4C06-A843-41F61B9D7408}" type="slidenum">
               <a:rPr lang="zh-CN" altLang="en-US" smtClean="0"/>
-              <a:t>‹#›</a:t>
             </a:fld>
             <a:endParaRPr lang="zh-CN" altLang="en-US"/>
           </a:p>
         </p:txBody>
       </p:sp>
     </p:spTree>
-    <p:extLst>
-      <p:ext uri="{BB962C8B-B14F-4D97-AF65-F5344CB8AC3E}">
-        <p14:creationId xmlns:p14="http://schemas.microsoft.com/office/powerpoint/2010/main" val="3305521511"/>
-      </p:ext>
-    </p:extLst>
   </p:cSld>
   <p:clrMapOvr>
     <a:masterClrMapping/>
@@ -1219,13 +1279,7 @@
       </p:grpSpPr>
       <p:sp>
         <p:nvSpPr>
-          <p:cNvPr id="2" name="标题 1">
-            <a:extLst>
-              <a:ext uri="{FF2B5EF4-FFF2-40B4-BE49-F238E27FC236}">
-                <a16:creationId xmlns:a16="http://schemas.microsoft.com/office/drawing/2014/main" id="{76F8E84B-78B2-4211-A90B-5DEE6709F2FF}"/>
-              </a:ext>
-            </a:extLst>
-          </p:cNvPr>
+          <p:cNvPr id="2" name="标题 1"/>
           <p:cNvSpPr>
             <a:spLocks noGrp="1"/>
           </p:cNvSpPr>
@@ -1250,18 +1304,13 @@
               <a:rPr lang="zh-CN" altLang="en-US"/>
               <a:t>单击此处编辑母版标题样式</a:t>
             </a:r>
-          </a:p>
-        </p:txBody>
-      </p:sp>
-      <p:sp>
-        <p:nvSpPr>
-          <p:cNvPr id="3" name="内容占位符 2">
-            <a:extLst>
-              <a:ext uri="{FF2B5EF4-FFF2-40B4-BE49-F238E27FC236}">
-                <a16:creationId xmlns:a16="http://schemas.microsoft.com/office/drawing/2014/main" id="{387D17D9-6C4A-479E-9FEC-470AD1C1A0F2}"/>
-              </a:ext>
-            </a:extLst>
-          </p:cNvPr>
+            <a:endParaRPr lang="zh-CN" altLang="en-US"/>
+          </a:p>
+        </p:txBody>
+      </p:sp>
+      <p:sp>
+        <p:nvSpPr>
+          <p:cNvPr id="3" name="内容占位符 2"/>
           <p:cNvSpPr>
             <a:spLocks noGrp="1"/>
           </p:cNvSpPr>
@@ -1287,6 +1336,7 @@
               <a:rPr lang="zh-CN" altLang="en-US"/>
               <a:t>单击此处编辑母版文本样式</a:t>
             </a:r>
+            <a:endParaRPr lang="zh-CN" altLang="en-US"/>
           </a:p>
           <a:p>
             <a:pPr lvl="1"/>
@@ -1294,6 +1344,7 @@
               <a:rPr lang="zh-CN" altLang="en-US"/>
               <a:t>二级</a:t>
             </a:r>
+            <a:endParaRPr lang="zh-CN" altLang="en-US"/>
           </a:p>
           <a:p>
             <a:pPr lvl="2"/>
@@ -1301,6 +1352,7 @@
               <a:rPr lang="zh-CN" altLang="en-US"/>
               <a:t>三级</a:t>
             </a:r>
+            <a:endParaRPr lang="zh-CN" altLang="en-US"/>
           </a:p>
           <a:p>
             <a:pPr lvl="3"/>
@@ -1308,6 +1360,7 @@
               <a:rPr lang="zh-CN" altLang="en-US"/>
               <a:t>四级</a:t>
             </a:r>
+            <a:endParaRPr lang="zh-CN" altLang="en-US"/>
           </a:p>
           <a:p>
             <a:pPr lvl="4"/>
@@ -1315,18 +1368,13 @@
               <a:rPr lang="zh-CN" altLang="en-US"/>
               <a:t>五级</a:t>
             </a:r>
-          </a:p>
-        </p:txBody>
-      </p:sp>
-      <p:sp>
-        <p:nvSpPr>
-          <p:cNvPr id="4" name="日期占位符 3">
-            <a:extLst>
-              <a:ext uri="{FF2B5EF4-FFF2-40B4-BE49-F238E27FC236}">
-                <a16:creationId xmlns:a16="http://schemas.microsoft.com/office/drawing/2014/main" id="{6000D1F9-AC7C-4ADF-8F35-62414F8A6D35}"/>
-              </a:ext>
-            </a:extLst>
-          </p:cNvPr>
+            <a:endParaRPr lang="zh-CN" altLang="en-US"/>
+          </a:p>
+        </p:txBody>
+      </p:sp>
+      <p:sp>
+        <p:nvSpPr>
+          <p:cNvPr id="4" name="日期占位符 3"/>
           <p:cNvSpPr>
             <a:spLocks noGrp="1"/>
           </p:cNvSpPr>
@@ -1349,7 +1397,6 @@
           <a:p>
             <a:fld id="{CA25C14C-9F7E-4FA0-8E24-92D7A1B74D5E}" type="datetimeFigureOut">
               <a:rPr lang="zh-CN" altLang="en-US" smtClean="0"/>
-              <a:t>2021/9/8</a:t>
             </a:fld>
             <a:endParaRPr lang="zh-CN" altLang="en-US"/>
           </a:p>
@@ -1357,13 +1404,7 @@
       </p:sp>
       <p:sp>
         <p:nvSpPr>
-          <p:cNvPr id="5" name="页脚占位符 4">
-            <a:extLst>
-              <a:ext uri="{FF2B5EF4-FFF2-40B4-BE49-F238E27FC236}">
-                <a16:creationId xmlns:a16="http://schemas.microsoft.com/office/drawing/2014/main" id="{C49A4920-3D56-44DF-8B34-7D92F4595F17}"/>
-              </a:ext>
-            </a:extLst>
-          </p:cNvPr>
+          <p:cNvPr id="5" name="页脚占位符 4"/>
           <p:cNvSpPr>
             <a:spLocks noGrp="1"/>
           </p:cNvSpPr>
@@ -1390,13 +1431,7 @@
       </p:sp>
       <p:sp>
         <p:nvSpPr>
-          <p:cNvPr id="6" name="灯片编号占位符 5">
-            <a:extLst>
-              <a:ext uri="{FF2B5EF4-FFF2-40B4-BE49-F238E27FC236}">
-                <a16:creationId xmlns:a16="http://schemas.microsoft.com/office/drawing/2014/main" id="{D6CFEE23-B3C3-4488-BD96-EC6EFD2DAA1B}"/>
-              </a:ext>
-            </a:extLst>
-          </p:cNvPr>
+          <p:cNvPr id="6" name="灯片编号占位符 5"/>
           <p:cNvSpPr>
             <a:spLocks noGrp="1"/>
           </p:cNvSpPr>
@@ -1419,18 +1454,12 @@
           <a:p>
             <a:fld id="{33D7B226-0A4B-4C06-A843-41F61B9D7408}" type="slidenum">
               <a:rPr lang="zh-CN" altLang="en-US" smtClean="0"/>
-              <a:t>‹#›</a:t>
             </a:fld>
             <a:endParaRPr lang="zh-CN" altLang="en-US"/>
           </a:p>
         </p:txBody>
       </p:sp>
     </p:spTree>
-    <p:extLst>
-      <p:ext uri="{BB962C8B-B14F-4D97-AF65-F5344CB8AC3E}">
-        <p14:creationId xmlns:p14="http://schemas.microsoft.com/office/powerpoint/2010/main" val="2423634551"/>
-      </p:ext>
-    </p:extLst>
   </p:cSld>
   <p:clrMapOvr>
     <a:masterClrMapping/>
@@ -1457,13 +1486,7 @@
       </p:grpSpPr>
       <p:sp>
         <p:nvSpPr>
-          <p:cNvPr id="2" name="标题 1">
-            <a:extLst>
-              <a:ext uri="{FF2B5EF4-FFF2-40B4-BE49-F238E27FC236}">
-                <a16:creationId xmlns:a16="http://schemas.microsoft.com/office/drawing/2014/main" id="{4241ED5D-4DC7-477F-952D-B10E83E68B95}"/>
-              </a:ext>
-            </a:extLst>
-          </p:cNvPr>
+          <p:cNvPr id="2" name="标题 1"/>
           <p:cNvSpPr>
             <a:spLocks noGrp="1"/>
           </p:cNvSpPr>
@@ -1492,18 +1515,13 @@
               <a:rPr lang="zh-CN" altLang="en-US"/>
               <a:t>单击此处编辑母版标题样式</a:t>
             </a:r>
-          </a:p>
-        </p:txBody>
-      </p:sp>
-      <p:sp>
-        <p:nvSpPr>
-          <p:cNvPr id="3" name="文本占位符 2">
-            <a:extLst>
-              <a:ext uri="{FF2B5EF4-FFF2-40B4-BE49-F238E27FC236}">
-                <a16:creationId xmlns:a16="http://schemas.microsoft.com/office/drawing/2014/main" id="{58065608-6BBC-4DCA-A89A-513E45DDF9B2}"/>
-              </a:ext>
-            </a:extLst>
-          </p:cNvPr>
+            <a:endParaRPr lang="zh-CN" altLang="en-US"/>
+          </a:p>
+        </p:txBody>
+      </p:sp>
+      <p:sp>
+        <p:nvSpPr>
+          <p:cNvPr id="3" name="文本占位符 2"/>
           <p:cNvSpPr>
             <a:spLocks noGrp="1"/>
           </p:cNvSpPr>
@@ -1620,18 +1638,13 @@
               <a:rPr lang="zh-CN" altLang="en-US"/>
               <a:t>单击此处编辑母版文本样式</a:t>
             </a:r>
-          </a:p>
-        </p:txBody>
-      </p:sp>
-      <p:sp>
-        <p:nvSpPr>
-          <p:cNvPr id="4" name="日期占位符 3">
-            <a:extLst>
-              <a:ext uri="{FF2B5EF4-FFF2-40B4-BE49-F238E27FC236}">
-                <a16:creationId xmlns:a16="http://schemas.microsoft.com/office/drawing/2014/main" id="{0B1E2E82-5BD4-4EE7-AFBF-F6EFF0C82E62}"/>
-              </a:ext>
-            </a:extLst>
-          </p:cNvPr>
+            <a:endParaRPr lang="zh-CN" altLang="en-US"/>
+          </a:p>
+        </p:txBody>
+      </p:sp>
+      <p:sp>
+        <p:nvSpPr>
+          <p:cNvPr id="4" name="日期占位符 3"/>
           <p:cNvSpPr>
             <a:spLocks noGrp="1"/>
           </p:cNvSpPr>
@@ -1654,7 +1667,6 @@
           <a:p>
             <a:fld id="{CA25C14C-9F7E-4FA0-8E24-92D7A1B74D5E}" type="datetimeFigureOut">
               <a:rPr lang="zh-CN" altLang="en-US" smtClean="0"/>
-              <a:t>2021/9/8</a:t>
             </a:fld>
             <a:endParaRPr lang="zh-CN" altLang="en-US"/>
           </a:p>
@@ -1662,13 +1674,7 @@
       </p:sp>
       <p:sp>
         <p:nvSpPr>
-          <p:cNvPr id="5" name="页脚占位符 4">
-            <a:extLst>
-              <a:ext uri="{FF2B5EF4-FFF2-40B4-BE49-F238E27FC236}">
-                <a16:creationId xmlns:a16="http://schemas.microsoft.com/office/drawing/2014/main" id="{0BB5693D-19D0-454C-ACE6-F7C96F4EE202}"/>
-              </a:ext>
-            </a:extLst>
-          </p:cNvPr>
+          <p:cNvPr id="5" name="页脚占位符 4"/>
           <p:cNvSpPr>
             <a:spLocks noGrp="1"/>
           </p:cNvSpPr>
@@ -1695,13 +1701,7 @@
       </p:sp>
       <p:sp>
         <p:nvSpPr>
-          <p:cNvPr id="6" name="灯片编号占位符 5">
-            <a:extLst>
-              <a:ext uri="{FF2B5EF4-FFF2-40B4-BE49-F238E27FC236}">
-                <a16:creationId xmlns:a16="http://schemas.microsoft.com/office/drawing/2014/main" id="{189096CC-9ADC-4DE2-A204-30FA186660BC}"/>
-              </a:ext>
-            </a:extLst>
-          </p:cNvPr>
+          <p:cNvPr id="6" name="灯片编号占位符 5"/>
           <p:cNvSpPr>
             <a:spLocks noGrp="1"/>
           </p:cNvSpPr>
@@ -1724,18 +1724,12 @@
           <a:p>
             <a:fld id="{33D7B226-0A4B-4C06-A843-41F61B9D7408}" type="slidenum">
               <a:rPr lang="zh-CN" altLang="en-US" smtClean="0"/>
-              <a:t>‹#›</a:t>
             </a:fld>
             <a:endParaRPr lang="zh-CN" altLang="en-US"/>
           </a:p>
         </p:txBody>
       </p:sp>
     </p:spTree>
-    <p:extLst>
-      <p:ext uri="{BB962C8B-B14F-4D97-AF65-F5344CB8AC3E}">
-        <p14:creationId xmlns:p14="http://schemas.microsoft.com/office/powerpoint/2010/main" val="3651601124"/>
-      </p:ext>
-    </p:extLst>
   </p:cSld>
   <p:clrMapOvr>
     <a:masterClrMapping/>
@@ -1762,13 +1756,7 @@
       </p:grpSpPr>
       <p:sp>
         <p:nvSpPr>
-          <p:cNvPr id="2" name="标题 1">
-            <a:extLst>
-              <a:ext uri="{FF2B5EF4-FFF2-40B4-BE49-F238E27FC236}">
-                <a16:creationId xmlns:a16="http://schemas.microsoft.com/office/drawing/2014/main" id="{8CC7B440-81EE-4AA5-8EA8-DD8F0D862D06}"/>
-              </a:ext>
-            </a:extLst>
-          </p:cNvPr>
+          <p:cNvPr id="2" name="标题 1"/>
           <p:cNvSpPr>
             <a:spLocks noGrp="1"/>
           </p:cNvSpPr>
@@ -1793,18 +1781,13 @@
               <a:rPr lang="zh-CN" altLang="en-US"/>
               <a:t>单击此处编辑母版标题样式</a:t>
             </a:r>
-          </a:p>
-        </p:txBody>
-      </p:sp>
-      <p:sp>
-        <p:nvSpPr>
-          <p:cNvPr id="3" name="内容占位符 2">
-            <a:extLst>
-              <a:ext uri="{FF2B5EF4-FFF2-40B4-BE49-F238E27FC236}">
-                <a16:creationId xmlns:a16="http://schemas.microsoft.com/office/drawing/2014/main" id="{3386C9FF-4FD7-4205-8A19-97498B0419B5}"/>
-              </a:ext>
-            </a:extLst>
-          </p:cNvPr>
+            <a:endParaRPr lang="zh-CN" altLang="en-US"/>
+          </a:p>
+        </p:txBody>
+      </p:sp>
+      <p:sp>
+        <p:nvSpPr>
+          <p:cNvPr id="3" name="内容占位符 2"/>
           <p:cNvSpPr>
             <a:spLocks noGrp="1"/>
           </p:cNvSpPr>
@@ -1830,6 +1813,7 @@
               <a:rPr lang="zh-CN" altLang="en-US"/>
               <a:t>单击此处编辑母版文本样式</a:t>
             </a:r>
+            <a:endParaRPr lang="zh-CN" altLang="en-US"/>
           </a:p>
           <a:p>
             <a:pPr lvl="1"/>
@@ -1837,6 +1821,7 @@
               <a:rPr lang="zh-CN" altLang="en-US"/>
               <a:t>二级</a:t>
             </a:r>
+            <a:endParaRPr lang="zh-CN" altLang="en-US"/>
           </a:p>
           <a:p>
             <a:pPr lvl="2"/>
@@ -1844,6 +1829,7 @@
               <a:rPr lang="zh-CN" altLang="en-US"/>
               <a:t>三级</a:t>
             </a:r>
+            <a:endParaRPr lang="zh-CN" altLang="en-US"/>
           </a:p>
           <a:p>
             <a:pPr lvl="3"/>
@@ -1851,6 +1837,7 @@
               <a:rPr lang="zh-CN" altLang="en-US"/>
               <a:t>四级</a:t>
             </a:r>
+            <a:endParaRPr lang="zh-CN" altLang="en-US"/>
           </a:p>
           <a:p>
             <a:pPr lvl="4"/>
@@ -1858,18 +1845,13 @@
               <a:rPr lang="zh-CN" altLang="en-US"/>
               <a:t>五级</a:t>
             </a:r>
-          </a:p>
-        </p:txBody>
-      </p:sp>
-      <p:sp>
-        <p:nvSpPr>
-          <p:cNvPr id="4" name="内容占位符 3">
-            <a:extLst>
-              <a:ext uri="{FF2B5EF4-FFF2-40B4-BE49-F238E27FC236}">
-                <a16:creationId xmlns:a16="http://schemas.microsoft.com/office/drawing/2014/main" id="{4C2900A1-E025-4AE9-887D-C87FA20CB449}"/>
-              </a:ext>
-            </a:extLst>
-          </p:cNvPr>
+            <a:endParaRPr lang="zh-CN" altLang="en-US"/>
+          </a:p>
+        </p:txBody>
+      </p:sp>
+      <p:sp>
+        <p:nvSpPr>
+          <p:cNvPr id="4" name="内容占位符 3"/>
           <p:cNvSpPr>
             <a:spLocks noGrp="1"/>
           </p:cNvSpPr>
@@ -1895,6 +1877,7 @@
               <a:rPr lang="zh-CN" altLang="en-US"/>
               <a:t>单击此处编辑母版文本样式</a:t>
             </a:r>
+            <a:endParaRPr lang="zh-CN" altLang="en-US"/>
           </a:p>
           <a:p>
             <a:pPr lvl="1"/>
@@ -1902,6 +1885,7 @@
               <a:rPr lang="zh-CN" altLang="en-US"/>
               <a:t>二级</a:t>
             </a:r>
+            <a:endParaRPr lang="zh-CN" altLang="en-US"/>
           </a:p>
           <a:p>
             <a:pPr lvl="2"/>
@@ -1909,6 +1893,7 @@
               <a:rPr lang="zh-CN" altLang="en-US"/>
               <a:t>三级</a:t>
             </a:r>
+            <a:endParaRPr lang="zh-CN" altLang="en-US"/>
           </a:p>
           <a:p>
             <a:pPr lvl="3"/>
@@ -1916,6 +1901,7 @@
               <a:rPr lang="zh-CN" altLang="en-US"/>
               <a:t>四级</a:t>
             </a:r>
+            <a:endParaRPr lang="zh-CN" altLang="en-US"/>
           </a:p>
           <a:p>
             <a:pPr lvl="4"/>
@@ -1923,18 +1909,13 @@
               <a:rPr lang="zh-CN" altLang="en-US"/>
               <a:t>五级</a:t>
             </a:r>
-          </a:p>
-        </p:txBody>
-      </p:sp>
-      <p:sp>
-        <p:nvSpPr>
-          <p:cNvPr id="5" name="日期占位符 4">
-            <a:extLst>
-              <a:ext uri="{FF2B5EF4-FFF2-40B4-BE49-F238E27FC236}">
-                <a16:creationId xmlns:a16="http://schemas.microsoft.com/office/drawing/2014/main" id="{BFF306D5-229C-4415-BDF6-127F125F5C41}"/>
-              </a:ext>
-            </a:extLst>
-          </p:cNvPr>
+            <a:endParaRPr lang="zh-CN" altLang="en-US"/>
+          </a:p>
+        </p:txBody>
+      </p:sp>
+      <p:sp>
+        <p:nvSpPr>
+          <p:cNvPr id="5" name="日期占位符 4"/>
           <p:cNvSpPr>
             <a:spLocks noGrp="1"/>
           </p:cNvSpPr>
@@ -1957,7 +1938,6 @@
           <a:p>
             <a:fld id="{CA25C14C-9F7E-4FA0-8E24-92D7A1B74D5E}" type="datetimeFigureOut">
               <a:rPr lang="zh-CN" altLang="en-US" smtClean="0"/>
-              <a:t>2021/9/8</a:t>
             </a:fld>
             <a:endParaRPr lang="zh-CN" altLang="en-US"/>
           </a:p>
@@ -1965,13 +1945,7 @@
       </p:sp>
       <p:sp>
         <p:nvSpPr>
-          <p:cNvPr id="6" name="页脚占位符 5">
-            <a:extLst>
-              <a:ext uri="{FF2B5EF4-FFF2-40B4-BE49-F238E27FC236}">
-                <a16:creationId xmlns:a16="http://schemas.microsoft.com/office/drawing/2014/main" id="{C52B84AE-0D11-468C-9714-B3D5279F6601}"/>
-              </a:ext>
-            </a:extLst>
-          </p:cNvPr>
+          <p:cNvPr id="6" name="页脚占位符 5"/>
           <p:cNvSpPr>
             <a:spLocks noGrp="1"/>
           </p:cNvSpPr>
@@ -1998,13 +1972,7 @@
       </p:sp>
       <p:sp>
         <p:nvSpPr>
-          <p:cNvPr id="7" name="灯片编号占位符 6">
-            <a:extLst>
-              <a:ext uri="{FF2B5EF4-FFF2-40B4-BE49-F238E27FC236}">
-                <a16:creationId xmlns:a16="http://schemas.microsoft.com/office/drawing/2014/main" id="{4390D2F3-42D9-4162-8268-E555F2CD5F04}"/>
-              </a:ext>
-            </a:extLst>
-          </p:cNvPr>
+          <p:cNvPr id="7" name="灯片编号占位符 6"/>
           <p:cNvSpPr>
             <a:spLocks noGrp="1"/>
           </p:cNvSpPr>
@@ -2027,18 +1995,12 @@
           <a:p>
             <a:fld id="{33D7B226-0A4B-4C06-A843-41F61B9D7408}" type="slidenum">
               <a:rPr lang="zh-CN" altLang="en-US" smtClean="0"/>
-              <a:t>‹#›</a:t>
             </a:fld>
             <a:endParaRPr lang="zh-CN" altLang="en-US"/>
           </a:p>
         </p:txBody>
       </p:sp>
     </p:spTree>
-    <p:extLst>
-      <p:ext uri="{BB962C8B-B14F-4D97-AF65-F5344CB8AC3E}">
-        <p14:creationId xmlns:p14="http://schemas.microsoft.com/office/powerpoint/2010/main" val="269269810"/>
-      </p:ext>
-    </p:extLst>
   </p:cSld>
   <p:clrMapOvr>
     <a:masterClrMapping/>
@@ -2065,13 +2027,7 @@
       </p:grpSpPr>
       <p:sp>
         <p:nvSpPr>
-          <p:cNvPr id="2" name="标题 1">
-            <a:extLst>
-              <a:ext uri="{FF2B5EF4-FFF2-40B4-BE49-F238E27FC236}">
-                <a16:creationId xmlns:a16="http://schemas.microsoft.com/office/drawing/2014/main" id="{8B54DA96-B70D-4FDE-99DE-93CD5D78B667}"/>
-              </a:ext>
-            </a:extLst>
-          </p:cNvPr>
+          <p:cNvPr id="2" name="标题 1"/>
           <p:cNvSpPr>
             <a:spLocks noGrp="1"/>
           </p:cNvSpPr>
@@ -2096,18 +2052,13 @@
               <a:rPr lang="zh-CN" altLang="en-US"/>
               <a:t>单击此处编辑母版标题样式</a:t>
             </a:r>
-          </a:p>
-        </p:txBody>
-      </p:sp>
-      <p:sp>
-        <p:nvSpPr>
-          <p:cNvPr id="3" name="文本占位符 2">
-            <a:extLst>
-              <a:ext uri="{FF2B5EF4-FFF2-40B4-BE49-F238E27FC236}">
-                <a16:creationId xmlns:a16="http://schemas.microsoft.com/office/drawing/2014/main" id="{0509F39A-0221-49F3-9DB9-F465DA6FF5FC}"/>
-              </a:ext>
-            </a:extLst>
-          </p:cNvPr>
+            <a:endParaRPr lang="zh-CN" altLang="en-US"/>
+          </a:p>
+        </p:txBody>
+      </p:sp>
+      <p:sp>
+        <p:nvSpPr>
+          <p:cNvPr id="3" name="文本占位符 2"/>
           <p:cNvSpPr>
             <a:spLocks noGrp="1"/>
           </p:cNvSpPr>
@@ -2170,18 +2121,13 @@
               <a:rPr lang="zh-CN" altLang="en-US"/>
               <a:t>单击此处编辑母版文本样式</a:t>
             </a:r>
-          </a:p>
-        </p:txBody>
-      </p:sp>
-      <p:sp>
-        <p:nvSpPr>
-          <p:cNvPr id="4" name="内容占位符 3">
-            <a:extLst>
-              <a:ext uri="{FF2B5EF4-FFF2-40B4-BE49-F238E27FC236}">
-                <a16:creationId xmlns:a16="http://schemas.microsoft.com/office/drawing/2014/main" id="{79DC4433-5D27-4D68-8C2A-11DF37E4C4D4}"/>
-              </a:ext>
-            </a:extLst>
-          </p:cNvPr>
+            <a:endParaRPr lang="zh-CN" altLang="en-US"/>
+          </a:p>
+        </p:txBody>
+      </p:sp>
+      <p:sp>
+        <p:nvSpPr>
+          <p:cNvPr id="4" name="内容占位符 3"/>
           <p:cNvSpPr>
             <a:spLocks noGrp="1"/>
           </p:cNvSpPr>
@@ -2207,6 +2153,7 @@
               <a:rPr lang="zh-CN" altLang="en-US"/>
               <a:t>单击此处编辑母版文本样式</a:t>
             </a:r>
+            <a:endParaRPr lang="zh-CN" altLang="en-US"/>
           </a:p>
           <a:p>
             <a:pPr lvl="1"/>
@@ -2214,6 +2161,7 @@
               <a:rPr lang="zh-CN" altLang="en-US"/>
               <a:t>二级</a:t>
             </a:r>
+            <a:endParaRPr lang="zh-CN" altLang="en-US"/>
           </a:p>
           <a:p>
             <a:pPr lvl="2"/>
@@ -2221,6 +2169,7 @@
               <a:rPr lang="zh-CN" altLang="en-US"/>
               <a:t>三级</a:t>
             </a:r>
+            <a:endParaRPr lang="zh-CN" altLang="en-US"/>
           </a:p>
           <a:p>
             <a:pPr lvl="3"/>
@@ -2228,6 +2177,7 @@
               <a:rPr lang="zh-CN" altLang="en-US"/>
               <a:t>四级</a:t>
             </a:r>
+            <a:endParaRPr lang="zh-CN" altLang="en-US"/>
           </a:p>
           <a:p>
             <a:pPr lvl="4"/>
@@ -2235,18 +2185,13 @@
               <a:rPr lang="zh-CN" altLang="en-US"/>
               <a:t>五级</a:t>
             </a:r>
-          </a:p>
-        </p:txBody>
-      </p:sp>
-      <p:sp>
-        <p:nvSpPr>
-          <p:cNvPr id="5" name="文本占位符 4">
-            <a:extLst>
-              <a:ext uri="{FF2B5EF4-FFF2-40B4-BE49-F238E27FC236}">
-                <a16:creationId xmlns:a16="http://schemas.microsoft.com/office/drawing/2014/main" id="{5E3A3042-1DE8-4B07-A951-D3D6268271A6}"/>
-              </a:ext>
-            </a:extLst>
-          </p:cNvPr>
+            <a:endParaRPr lang="zh-CN" altLang="en-US"/>
+          </a:p>
+        </p:txBody>
+      </p:sp>
+      <p:sp>
+        <p:nvSpPr>
+          <p:cNvPr id="5" name="文本占位符 4"/>
           <p:cNvSpPr>
             <a:spLocks noGrp="1"/>
           </p:cNvSpPr>
@@ -2309,18 +2254,13 @@
               <a:rPr lang="zh-CN" altLang="en-US"/>
               <a:t>单击此处编辑母版文本样式</a:t>
             </a:r>
-          </a:p>
-        </p:txBody>
-      </p:sp>
-      <p:sp>
-        <p:nvSpPr>
-          <p:cNvPr id="6" name="内容占位符 5">
-            <a:extLst>
-              <a:ext uri="{FF2B5EF4-FFF2-40B4-BE49-F238E27FC236}">
-                <a16:creationId xmlns:a16="http://schemas.microsoft.com/office/drawing/2014/main" id="{E8C0A7A5-6150-41F9-8CB8-B9E4E13F516B}"/>
-              </a:ext>
-            </a:extLst>
-          </p:cNvPr>
+            <a:endParaRPr lang="zh-CN" altLang="en-US"/>
+          </a:p>
+        </p:txBody>
+      </p:sp>
+      <p:sp>
+        <p:nvSpPr>
+          <p:cNvPr id="6" name="内容占位符 5"/>
           <p:cNvSpPr>
             <a:spLocks noGrp="1"/>
           </p:cNvSpPr>
@@ -2346,6 +2286,7 @@
               <a:rPr lang="zh-CN" altLang="en-US"/>
               <a:t>单击此处编辑母版文本样式</a:t>
             </a:r>
+            <a:endParaRPr lang="zh-CN" altLang="en-US"/>
           </a:p>
           <a:p>
             <a:pPr lvl="1"/>
@@ -2353,6 +2294,7 @@
               <a:rPr lang="zh-CN" altLang="en-US"/>
               <a:t>二级</a:t>
             </a:r>
+            <a:endParaRPr lang="zh-CN" altLang="en-US"/>
           </a:p>
           <a:p>
             <a:pPr lvl="2"/>
@@ -2360,6 +2302,7 @@
               <a:rPr lang="zh-CN" altLang="en-US"/>
               <a:t>三级</a:t>
             </a:r>
+            <a:endParaRPr lang="zh-CN" altLang="en-US"/>
           </a:p>
           <a:p>
             <a:pPr lvl="3"/>
@@ -2367,6 +2310,7 @@
               <a:rPr lang="zh-CN" altLang="en-US"/>
               <a:t>四级</a:t>
             </a:r>
+            <a:endParaRPr lang="zh-CN" altLang="en-US"/>
           </a:p>
           <a:p>
             <a:pPr lvl="4"/>
@@ -2374,18 +2318,13 @@
               <a:rPr lang="zh-CN" altLang="en-US"/>
               <a:t>五级</a:t>
             </a:r>
-          </a:p>
-        </p:txBody>
-      </p:sp>
-      <p:sp>
-        <p:nvSpPr>
-          <p:cNvPr id="7" name="日期占位符 6">
-            <a:extLst>
-              <a:ext uri="{FF2B5EF4-FFF2-40B4-BE49-F238E27FC236}">
-                <a16:creationId xmlns:a16="http://schemas.microsoft.com/office/drawing/2014/main" id="{DA2F76A8-A488-4FEE-85DE-D9C830D952A0}"/>
-              </a:ext>
-            </a:extLst>
-          </p:cNvPr>
+            <a:endParaRPr lang="zh-CN" altLang="en-US"/>
+          </a:p>
+        </p:txBody>
+      </p:sp>
+      <p:sp>
+        <p:nvSpPr>
+          <p:cNvPr id="7" name="日期占位符 6"/>
           <p:cNvSpPr>
             <a:spLocks noGrp="1"/>
           </p:cNvSpPr>
@@ -2408,7 +2347,6 @@
           <a:p>
             <a:fld id="{CA25C14C-9F7E-4FA0-8E24-92D7A1B74D5E}" type="datetimeFigureOut">
               <a:rPr lang="zh-CN" altLang="en-US" smtClean="0"/>
-              <a:t>2021/9/8</a:t>
             </a:fld>
             <a:endParaRPr lang="zh-CN" altLang="en-US"/>
           </a:p>
@@ -2416,13 +2354,7 @@
       </p:sp>
       <p:sp>
         <p:nvSpPr>
-          <p:cNvPr id="8" name="页脚占位符 7">
-            <a:extLst>
-              <a:ext uri="{FF2B5EF4-FFF2-40B4-BE49-F238E27FC236}">
-                <a16:creationId xmlns:a16="http://schemas.microsoft.com/office/drawing/2014/main" id="{4398EA36-59E0-4177-AFD0-133C94763DD1}"/>
-              </a:ext>
-            </a:extLst>
-          </p:cNvPr>
+          <p:cNvPr id="8" name="页脚占位符 7"/>
           <p:cNvSpPr>
             <a:spLocks noGrp="1"/>
           </p:cNvSpPr>
@@ -2449,13 +2381,7 @@
       </p:sp>
       <p:sp>
         <p:nvSpPr>
-          <p:cNvPr id="9" name="灯片编号占位符 8">
-            <a:extLst>
-              <a:ext uri="{FF2B5EF4-FFF2-40B4-BE49-F238E27FC236}">
-                <a16:creationId xmlns:a16="http://schemas.microsoft.com/office/drawing/2014/main" id="{BF23C896-86C0-44E9-A72C-EE57BA7E74A1}"/>
-              </a:ext>
-            </a:extLst>
-          </p:cNvPr>
+          <p:cNvPr id="9" name="灯片编号占位符 8"/>
           <p:cNvSpPr>
             <a:spLocks noGrp="1"/>
           </p:cNvSpPr>
@@ -2478,18 +2404,12 @@
           <a:p>
             <a:fld id="{33D7B226-0A4B-4C06-A843-41F61B9D7408}" type="slidenum">
               <a:rPr lang="zh-CN" altLang="en-US" smtClean="0"/>
-              <a:t>‹#›</a:t>
             </a:fld>
             <a:endParaRPr lang="zh-CN" altLang="en-US"/>
           </a:p>
         </p:txBody>
       </p:sp>
     </p:spTree>
-    <p:extLst>
-      <p:ext uri="{BB962C8B-B14F-4D97-AF65-F5344CB8AC3E}">
-        <p14:creationId xmlns:p14="http://schemas.microsoft.com/office/powerpoint/2010/main" val="1934646936"/>
-      </p:ext>
-    </p:extLst>
   </p:cSld>
   <p:clrMapOvr>
     <a:masterClrMapping/>
@@ -2516,13 +2436,7 @@
       </p:grpSpPr>
       <p:sp>
         <p:nvSpPr>
-          <p:cNvPr id="2" name="标题 1">
-            <a:extLst>
-              <a:ext uri="{FF2B5EF4-FFF2-40B4-BE49-F238E27FC236}">
-                <a16:creationId xmlns:a16="http://schemas.microsoft.com/office/drawing/2014/main" id="{7311762C-2606-44CF-919C-A850DDFEE45F}"/>
-              </a:ext>
-            </a:extLst>
-          </p:cNvPr>
+          <p:cNvPr id="2" name="标题 1"/>
           <p:cNvSpPr>
             <a:spLocks noGrp="1"/>
           </p:cNvSpPr>
@@ -2547,18 +2461,13 @@
               <a:rPr lang="zh-CN" altLang="en-US"/>
               <a:t>单击此处编辑母版标题样式</a:t>
             </a:r>
-          </a:p>
-        </p:txBody>
-      </p:sp>
-      <p:sp>
-        <p:nvSpPr>
-          <p:cNvPr id="3" name="日期占位符 2">
-            <a:extLst>
-              <a:ext uri="{FF2B5EF4-FFF2-40B4-BE49-F238E27FC236}">
-                <a16:creationId xmlns:a16="http://schemas.microsoft.com/office/drawing/2014/main" id="{9DB40B7B-6BEE-469D-B767-4247CFFBBADD}"/>
-              </a:ext>
-            </a:extLst>
-          </p:cNvPr>
+            <a:endParaRPr lang="zh-CN" altLang="en-US"/>
+          </a:p>
+        </p:txBody>
+      </p:sp>
+      <p:sp>
+        <p:nvSpPr>
+          <p:cNvPr id="3" name="日期占位符 2"/>
           <p:cNvSpPr>
             <a:spLocks noGrp="1"/>
           </p:cNvSpPr>
@@ -2581,7 +2490,6 @@
           <a:p>
             <a:fld id="{CA25C14C-9F7E-4FA0-8E24-92D7A1B74D5E}" type="datetimeFigureOut">
               <a:rPr lang="zh-CN" altLang="en-US" smtClean="0"/>
-              <a:t>2021/9/8</a:t>
             </a:fld>
             <a:endParaRPr lang="zh-CN" altLang="en-US"/>
           </a:p>
@@ -2589,13 +2497,7 @@
       </p:sp>
       <p:sp>
         <p:nvSpPr>
-          <p:cNvPr id="4" name="页脚占位符 3">
-            <a:extLst>
-              <a:ext uri="{FF2B5EF4-FFF2-40B4-BE49-F238E27FC236}">
-                <a16:creationId xmlns:a16="http://schemas.microsoft.com/office/drawing/2014/main" id="{8B1AFF0D-7A46-4446-8613-6782DE62C2AA}"/>
-              </a:ext>
-            </a:extLst>
-          </p:cNvPr>
+          <p:cNvPr id="4" name="页脚占位符 3"/>
           <p:cNvSpPr>
             <a:spLocks noGrp="1"/>
           </p:cNvSpPr>
@@ -2622,13 +2524,7 @@
       </p:sp>
       <p:sp>
         <p:nvSpPr>
-          <p:cNvPr id="5" name="灯片编号占位符 4">
-            <a:extLst>
-              <a:ext uri="{FF2B5EF4-FFF2-40B4-BE49-F238E27FC236}">
-                <a16:creationId xmlns:a16="http://schemas.microsoft.com/office/drawing/2014/main" id="{00CE633B-B7EA-4EA9-9CA2-D9EB0DFD449F}"/>
-              </a:ext>
-            </a:extLst>
-          </p:cNvPr>
+          <p:cNvPr id="5" name="灯片编号占位符 4"/>
           <p:cNvSpPr>
             <a:spLocks noGrp="1"/>
           </p:cNvSpPr>
@@ -2651,18 +2547,12 @@
           <a:p>
             <a:fld id="{33D7B226-0A4B-4C06-A843-41F61B9D7408}" type="slidenum">
               <a:rPr lang="zh-CN" altLang="en-US" smtClean="0"/>
-              <a:t>‹#›</a:t>
             </a:fld>
             <a:endParaRPr lang="zh-CN" altLang="en-US"/>
           </a:p>
         </p:txBody>
       </p:sp>
     </p:spTree>
-    <p:extLst>
-      <p:ext uri="{BB962C8B-B14F-4D97-AF65-F5344CB8AC3E}">
-        <p14:creationId xmlns:p14="http://schemas.microsoft.com/office/powerpoint/2010/main" val="1431459229"/>
-      </p:ext>
-    </p:extLst>
   </p:cSld>
   <p:clrMapOvr>
     <a:masterClrMapping/>
@@ -2689,13 +2579,7 @@
       </p:grpSpPr>
       <p:sp>
         <p:nvSpPr>
-          <p:cNvPr id="2" name="日期占位符 1">
-            <a:extLst>
-              <a:ext uri="{FF2B5EF4-FFF2-40B4-BE49-F238E27FC236}">
-                <a16:creationId xmlns:a16="http://schemas.microsoft.com/office/drawing/2014/main" id="{2241340D-A524-416D-ABBA-71E2075FA5FD}"/>
-              </a:ext>
-            </a:extLst>
-          </p:cNvPr>
+          <p:cNvPr id="2" name="日期占位符 1"/>
           <p:cNvSpPr>
             <a:spLocks noGrp="1"/>
           </p:cNvSpPr>
@@ -2718,7 +2602,6 @@
           <a:p>
             <a:fld id="{CA25C14C-9F7E-4FA0-8E24-92D7A1B74D5E}" type="datetimeFigureOut">
               <a:rPr lang="zh-CN" altLang="en-US" smtClean="0"/>
-              <a:t>2021/9/8</a:t>
             </a:fld>
             <a:endParaRPr lang="zh-CN" altLang="en-US"/>
           </a:p>
@@ -2726,13 +2609,7 @@
       </p:sp>
       <p:sp>
         <p:nvSpPr>
-          <p:cNvPr id="3" name="页脚占位符 2">
-            <a:extLst>
-              <a:ext uri="{FF2B5EF4-FFF2-40B4-BE49-F238E27FC236}">
-                <a16:creationId xmlns:a16="http://schemas.microsoft.com/office/drawing/2014/main" id="{C6562D9F-B094-43C3-9B85-040FB7FD0955}"/>
-              </a:ext>
-            </a:extLst>
-          </p:cNvPr>
+          <p:cNvPr id="3" name="页脚占位符 2"/>
           <p:cNvSpPr>
             <a:spLocks noGrp="1"/>
           </p:cNvSpPr>
@@ -2759,13 +2636,7 @@
       </p:sp>
       <p:sp>
         <p:nvSpPr>
-          <p:cNvPr id="4" name="灯片编号占位符 3">
-            <a:extLst>
-              <a:ext uri="{FF2B5EF4-FFF2-40B4-BE49-F238E27FC236}">
-                <a16:creationId xmlns:a16="http://schemas.microsoft.com/office/drawing/2014/main" id="{8796BD4D-10CE-48D5-9103-D2E44A8DD99E}"/>
-              </a:ext>
-            </a:extLst>
-          </p:cNvPr>
+          <p:cNvPr id="4" name="灯片编号占位符 3"/>
           <p:cNvSpPr>
             <a:spLocks noGrp="1"/>
           </p:cNvSpPr>
@@ -2788,18 +2659,12 @@
           <a:p>
             <a:fld id="{33D7B226-0A4B-4C06-A843-41F61B9D7408}" type="slidenum">
               <a:rPr lang="zh-CN" altLang="en-US" smtClean="0"/>
-              <a:t>‹#›</a:t>
             </a:fld>
             <a:endParaRPr lang="zh-CN" altLang="en-US"/>
           </a:p>
         </p:txBody>
       </p:sp>
     </p:spTree>
-    <p:extLst>
-      <p:ext uri="{BB962C8B-B14F-4D97-AF65-F5344CB8AC3E}">
-        <p14:creationId xmlns:p14="http://schemas.microsoft.com/office/powerpoint/2010/main" val="589574136"/>
-      </p:ext>
-    </p:extLst>
   </p:cSld>
   <p:clrMapOvr>
     <a:masterClrMapping/>
@@ -2826,13 +2691,7 @@
       </p:grpSpPr>
       <p:sp>
         <p:nvSpPr>
-          <p:cNvPr id="2" name="标题 1">
-            <a:extLst>
-              <a:ext uri="{FF2B5EF4-FFF2-40B4-BE49-F238E27FC236}">
-                <a16:creationId xmlns:a16="http://schemas.microsoft.com/office/drawing/2014/main" id="{EE92AC29-2C6F-4631-A03E-170F6A538959}"/>
-              </a:ext>
-            </a:extLst>
-          </p:cNvPr>
+          <p:cNvPr id="2" name="标题 1"/>
           <p:cNvSpPr>
             <a:spLocks noGrp="1"/>
           </p:cNvSpPr>
@@ -2861,18 +2720,13 @@
               <a:rPr lang="zh-CN" altLang="en-US"/>
               <a:t>单击此处编辑母版标题样式</a:t>
             </a:r>
-          </a:p>
-        </p:txBody>
-      </p:sp>
-      <p:sp>
-        <p:nvSpPr>
-          <p:cNvPr id="3" name="内容占位符 2">
-            <a:extLst>
-              <a:ext uri="{FF2B5EF4-FFF2-40B4-BE49-F238E27FC236}">
-                <a16:creationId xmlns:a16="http://schemas.microsoft.com/office/drawing/2014/main" id="{D3C63411-44BB-4ED7-B9A4-A87C48EA34C6}"/>
-              </a:ext>
-            </a:extLst>
-          </p:cNvPr>
+            <a:endParaRPr lang="zh-CN" altLang="en-US"/>
+          </a:p>
+        </p:txBody>
+      </p:sp>
+      <p:sp>
+        <p:nvSpPr>
+          <p:cNvPr id="3" name="内容占位符 2"/>
           <p:cNvSpPr>
             <a:spLocks noGrp="1"/>
           </p:cNvSpPr>
@@ -2926,6 +2780,7 @@
               <a:rPr lang="zh-CN" altLang="en-US"/>
               <a:t>单击此处编辑母版文本样式</a:t>
             </a:r>
+            <a:endParaRPr lang="zh-CN" altLang="en-US"/>
           </a:p>
           <a:p>
             <a:pPr lvl="1"/>
@@ -2933,6 +2788,7 @@
               <a:rPr lang="zh-CN" altLang="en-US"/>
               <a:t>二级</a:t>
             </a:r>
+            <a:endParaRPr lang="zh-CN" altLang="en-US"/>
           </a:p>
           <a:p>
             <a:pPr lvl="2"/>
@@ -2940,6 +2796,7 @@
               <a:rPr lang="zh-CN" altLang="en-US"/>
               <a:t>三级</a:t>
             </a:r>
+            <a:endParaRPr lang="zh-CN" altLang="en-US"/>
           </a:p>
           <a:p>
             <a:pPr lvl="3"/>
@@ -2947,6 +2804,7 @@
               <a:rPr lang="zh-CN" altLang="en-US"/>
               <a:t>四级</a:t>
             </a:r>
+            <a:endParaRPr lang="zh-CN" altLang="en-US"/>
           </a:p>
           <a:p>
             <a:pPr lvl="4"/>
@@ -2954,18 +2812,13 @@
               <a:rPr lang="zh-CN" altLang="en-US"/>
               <a:t>五级</a:t>
             </a:r>
-          </a:p>
-        </p:txBody>
-      </p:sp>
-      <p:sp>
-        <p:nvSpPr>
-          <p:cNvPr id="4" name="文本占位符 3">
-            <a:extLst>
-              <a:ext uri="{FF2B5EF4-FFF2-40B4-BE49-F238E27FC236}">
-                <a16:creationId xmlns:a16="http://schemas.microsoft.com/office/drawing/2014/main" id="{E810A240-AA87-4667-86B5-83834E9C8554}"/>
-              </a:ext>
-            </a:extLst>
-          </p:cNvPr>
+            <a:endParaRPr lang="zh-CN" altLang="en-US"/>
+          </a:p>
+        </p:txBody>
+      </p:sp>
+      <p:sp>
+        <p:nvSpPr>
+          <p:cNvPr id="4" name="文本占位符 3"/>
           <p:cNvSpPr>
             <a:spLocks noGrp="1"/>
           </p:cNvSpPr>
@@ -3028,18 +2881,13 @@
               <a:rPr lang="zh-CN" altLang="en-US"/>
               <a:t>单击此处编辑母版文本样式</a:t>
             </a:r>
-          </a:p>
-        </p:txBody>
-      </p:sp>
-      <p:sp>
-        <p:nvSpPr>
-          <p:cNvPr id="5" name="日期占位符 4">
-            <a:extLst>
-              <a:ext uri="{FF2B5EF4-FFF2-40B4-BE49-F238E27FC236}">
-                <a16:creationId xmlns:a16="http://schemas.microsoft.com/office/drawing/2014/main" id="{EE5C0375-063E-4F84-BCB9-5A7186909EE4}"/>
-              </a:ext>
-            </a:extLst>
-          </p:cNvPr>
+            <a:endParaRPr lang="zh-CN" altLang="en-US"/>
+          </a:p>
+        </p:txBody>
+      </p:sp>
+      <p:sp>
+        <p:nvSpPr>
+          <p:cNvPr id="5" name="日期占位符 4"/>
           <p:cNvSpPr>
             <a:spLocks noGrp="1"/>
           </p:cNvSpPr>
@@ -3062,7 +2910,6 @@
           <a:p>
             <a:fld id="{CA25C14C-9F7E-4FA0-8E24-92D7A1B74D5E}" type="datetimeFigureOut">
               <a:rPr lang="zh-CN" altLang="en-US" smtClean="0"/>
-              <a:t>2021/9/8</a:t>
             </a:fld>
             <a:endParaRPr lang="zh-CN" altLang="en-US"/>
           </a:p>
@@ -3070,13 +2917,7 @@
       </p:sp>
       <p:sp>
         <p:nvSpPr>
-          <p:cNvPr id="6" name="页脚占位符 5">
-            <a:extLst>
-              <a:ext uri="{FF2B5EF4-FFF2-40B4-BE49-F238E27FC236}">
-                <a16:creationId xmlns:a16="http://schemas.microsoft.com/office/drawing/2014/main" id="{B3E914F7-4E01-45BB-91DA-AFE5F1BC0CCB}"/>
-              </a:ext>
-            </a:extLst>
-          </p:cNvPr>
+          <p:cNvPr id="6" name="页脚占位符 5"/>
           <p:cNvSpPr>
             <a:spLocks noGrp="1"/>
           </p:cNvSpPr>
@@ -3103,13 +2944,7 @@
       </p:sp>
       <p:sp>
         <p:nvSpPr>
-          <p:cNvPr id="7" name="灯片编号占位符 6">
-            <a:extLst>
-              <a:ext uri="{FF2B5EF4-FFF2-40B4-BE49-F238E27FC236}">
-                <a16:creationId xmlns:a16="http://schemas.microsoft.com/office/drawing/2014/main" id="{F1D36B60-3A42-4694-A517-8CC3309D5879}"/>
-              </a:ext>
-            </a:extLst>
-          </p:cNvPr>
+          <p:cNvPr id="7" name="灯片编号占位符 6"/>
           <p:cNvSpPr>
             <a:spLocks noGrp="1"/>
           </p:cNvSpPr>
@@ -3132,18 +2967,12 @@
           <a:p>
             <a:fld id="{33D7B226-0A4B-4C06-A843-41F61B9D7408}" type="slidenum">
               <a:rPr lang="zh-CN" altLang="en-US" smtClean="0"/>
-              <a:t>‹#›</a:t>
             </a:fld>
             <a:endParaRPr lang="zh-CN" altLang="en-US"/>
           </a:p>
         </p:txBody>
       </p:sp>
     </p:spTree>
-    <p:extLst>
-      <p:ext uri="{BB962C8B-B14F-4D97-AF65-F5344CB8AC3E}">
-        <p14:creationId xmlns:p14="http://schemas.microsoft.com/office/powerpoint/2010/main" val="3102395554"/>
-      </p:ext>
-    </p:extLst>
   </p:cSld>
   <p:clrMapOvr>
     <a:masterClrMapping/>
@@ -3170,13 +2999,7 @@
       </p:grpSpPr>
       <p:sp>
         <p:nvSpPr>
-          <p:cNvPr id="2" name="标题 1">
-            <a:extLst>
-              <a:ext uri="{FF2B5EF4-FFF2-40B4-BE49-F238E27FC236}">
-                <a16:creationId xmlns:a16="http://schemas.microsoft.com/office/drawing/2014/main" id="{70DDEBCD-E48A-4368-8A4C-5F3090016324}"/>
-              </a:ext>
-            </a:extLst>
-          </p:cNvPr>
+          <p:cNvPr id="2" name="标题 1"/>
           <p:cNvSpPr>
             <a:spLocks noGrp="1"/>
           </p:cNvSpPr>
@@ -3205,18 +3028,13 @@
               <a:rPr lang="zh-CN" altLang="en-US"/>
               <a:t>单击此处编辑母版标题样式</a:t>
             </a:r>
-          </a:p>
-        </p:txBody>
-      </p:sp>
-      <p:sp>
-        <p:nvSpPr>
-          <p:cNvPr id="3" name="图片占位符 2">
-            <a:extLst>
-              <a:ext uri="{FF2B5EF4-FFF2-40B4-BE49-F238E27FC236}">
-                <a16:creationId xmlns:a16="http://schemas.microsoft.com/office/drawing/2014/main" id="{1B7F12A9-5806-4AA9-869D-4E82904F2E40}"/>
-              </a:ext>
-            </a:extLst>
-          </p:cNvPr>
+            <a:endParaRPr lang="zh-CN" altLang="en-US"/>
+          </a:p>
+        </p:txBody>
+      </p:sp>
+      <p:sp>
+        <p:nvSpPr>
+          <p:cNvPr id="3" name="图片占位符 2"/>
           <p:cNvSpPr>
             <a:spLocks noGrp="1"/>
           </p:cNvSpPr>
@@ -3280,13 +3098,7 @@
       </p:sp>
       <p:sp>
         <p:nvSpPr>
-          <p:cNvPr id="4" name="文本占位符 3">
-            <a:extLst>
-              <a:ext uri="{FF2B5EF4-FFF2-40B4-BE49-F238E27FC236}">
-                <a16:creationId xmlns:a16="http://schemas.microsoft.com/office/drawing/2014/main" id="{A715BEE9-F597-4A5F-9575-47DC3143DAAB}"/>
-              </a:ext>
-            </a:extLst>
-          </p:cNvPr>
+          <p:cNvPr id="4" name="文本占位符 3"/>
           <p:cNvSpPr>
             <a:spLocks noGrp="1"/>
           </p:cNvSpPr>
@@ -3349,18 +3161,13 @@
               <a:rPr lang="zh-CN" altLang="en-US"/>
               <a:t>单击此处编辑母版文本样式</a:t>
             </a:r>
-          </a:p>
-        </p:txBody>
-      </p:sp>
-      <p:sp>
-        <p:nvSpPr>
-          <p:cNvPr id="5" name="日期占位符 4">
-            <a:extLst>
-              <a:ext uri="{FF2B5EF4-FFF2-40B4-BE49-F238E27FC236}">
-                <a16:creationId xmlns:a16="http://schemas.microsoft.com/office/drawing/2014/main" id="{B8D5E5C5-43F4-49ED-BA5D-66CD3FBA679F}"/>
-              </a:ext>
-            </a:extLst>
-          </p:cNvPr>
+            <a:endParaRPr lang="zh-CN" altLang="en-US"/>
+          </a:p>
+        </p:txBody>
+      </p:sp>
+      <p:sp>
+        <p:nvSpPr>
+          <p:cNvPr id="5" name="日期占位符 4"/>
           <p:cNvSpPr>
             <a:spLocks noGrp="1"/>
           </p:cNvSpPr>
@@ -3383,7 +3190,6 @@
           <a:p>
             <a:fld id="{CA25C14C-9F7E-4FA0-8E24-92D7A1B74D5E}" type="datetimeFigureOut">
               <a:rPr lang="zh-CN" altLang="en-US" smtClean="0"/>
-              <a:t>2021/9/8</a:t>
             </a:fld>
             <a:endParaRPr lang="zh-CN" altLang="en-US"/>
           </a:p>
@@ -3391,13 +3197,7 @@
       </p:sp>
       <p:sp>
         <p:nvSpPr>
-          <p:cNvPr id="6" name="页脚占位符 5">
-            <a:extLst>
-              <a:ext uri="{FF2B5EF4-FFF2-40B4-BE49-F238E27FC236}">
-                <a16:creationId xmlns:a16="http://schemas.microsoft.com/office/drawing/2014/main" id="{BCAF0D24-2BA3-4611-9F81-241C820C0B05}"/>
-              </a:ext>
-            </a:extLst>
-          </p:cNvPr>
+          <p:cNvPr id="6" name="页脚占位符 5"/>
           <p:cNvSpPr>
             <a:spLocks noGrp="1"/>
           </p:cNvSpPr>
@@ -3424,13 +3224,7 @@
       </p:sp>
       <p:sp>
         <p:nvSpPr>
-          <p:cNvPr id="7" name="灯片编号占位符 6">
-            <a:extLst>
-              <a:ext uri="{FF2B5EF4-FFF2-40B4-BE49-F238E27FC236}">
-                <a16:creationId xmlns:a16="http://schemas.microsoft.com/office/drawing/2014/main" id="{15801C6C-2E8F-46C9-9C26-58F88A7F22EA}"/>
-              </a:ext>
-            </a:extLst>
-          </p:cNvPr>
+          <p:cNvPr id="7" name="灯片编号占位符 6"/>
           <p:cNvSpPr>
             <a:spLocks noGrp="1"/>
           </p:cNvSpPr>
@@ -3453,18 +3247,12 @@
           <a:p>
             <a:fld id="{33D7B226-0A4B-4C06-A843-41F61B9D7408}" type="slidenum">
               <a:rPr lang="zh-CN" altLang="en-US" smtClean="0"/>
-              <a:t>‹#›</a:t>
             </a:fld>
             <a:endParaRPr lang="zh-CN" altLang="en-US"/>
           </a:p>
         </p:txBody>
       </p:sp>
     </p:spTree>
-    <p:extLst>
-      <p:ext uri="{BB962C8B-B14F-4D97-AF65-F5344CB8AC3E}">
-        <p14:creationId xmlns:p14="http://schemas.microsoft.com/office/powerpoint/2010/main" val="2434551708"/>
-      </p:ext>
-    </p:extLst>
   </p:cSld>
   <p:clrMapOvr>
     <a:masterClrMapping/>
@@ -3499,13 +3287,7 @@
       </p:grpSpPr>
       <p:sp>
         <p:nvSpPr>
-          <p:cNvPr id="8" name="矩形">
-            <a:extLst>
-              <a:ext uri="{FF2B5EF4-FFF2-40B4-BE49-F238E27FC236}">
-                <a16:creationId xmlns:a16="http://schemas.microsoft.com/office/drawing/2014/main" id="{A1633ECA-F8B5-4F62-87D8-6DEEF3563E3D}"/>
-              </a:ext>
-            </a:extLst>
-          </p:cNvPr>
+          <p:cNvPr id="8" name="矩形"/>
           <p:cNvSpPr/>
           <p:nvPr userDrawn="1"/>
         </p:nvSpPr>
@@ -3539,19 +3321,12 @@
                 <a:sym typeface="Helvetica Neue Medium"/>
               </a:defRPr>
             </a:pPr>
-            <a:endParaRPr/>
-          </a:p>
-        </p:txBody>
-      </p:sp>
-      <p:sp>
-        <p:nvSpPr>
-          <p:cNvPr id="10" name="艾茵施坦">
-            <a:extLst>
-              <a:ext uri="{FF2B5EF4-FFF2-40B4-BE49-F238E27FC236}">
-                <a16:creationId xmlns:a16="http://schemas.microsoft.com/office/drawing/2014/main" id="{914A4204-B9FA-4450-9A62-1C655CC2C437}"/>
-              </a:ext>
-            </a:extLst>
-          </p:cNvPr>
+          </a:p>
+        </p:txBody>
+      </p:sp>
+      <p:sp>
+        <p:nvSpPr>
+          <p:cNvPr id="10" name="艾茵施坦"/>
           <p:cNvSpPr txBox="1"/>
           <p:nvPr userDrawn="1"/>
         </p:nvSpPr>
@@ -3566,11 +3341,6 @@
           <a:ln w="12700">
             <a:miter lim="400000"/>
           </a:ln>
-          <a:extLst>
-            <a:ext uri="{C572A759-6A51-4108-AA02-DFA0A04FC94B}">
-              <ma14:wrappingTextBoxFlag xmlns:ma14="http://schemas.microsoft.com/office/mac/drawingml/2011/main" xmlns:a14="http://schemas.microsoft.com/office/drawing/2010/main" xmlns:m="http://schemas.openxmlformats.org/officeDocument/2006/math" xmlns="" val="1"/>
-            </a:ext>
-          </a:extLst>
         </p:spPr>
         <p:txBody>
           <a:bodyPr wrap="none" lIns="50800" tIns="50800" rIns="50800" bIns="50800" anchor="ctr">
@@ -3586,20 +3356,12 @@
               </a:defRPr>
             </a:lvl1pPr>
           </a:lstStyle>
-          <a:p>
-            <a:endParaRPr/>
-          </a:p>
-        </p:txBody>
-      </p:sp>
-      <p:sp>
-        <p:nvSpPr>
-          <p:cNvPr id="12" name="矩形">
-            <a:extLst>
-              <a:ext uri="{FF2B5EF4-FFF2-40B4-BE49-F238E27FC236}">
-                <a16:creationId xmlns:a16="http://schemas.microsoft.com/office/drawing/2014/main" id="{DB1A1C58-9F0B-47AF-8349-093D5809AD1A}"/>
-              </a:ext>
-            </a:extLst>
-          </p:cNvPr>
+          <a:p/>
+        </p:txBody>
+      </p:sp>
+      <p:sp>
+        <p:nvSpPr>
+          <p:cNvPr id="12" name="矩形"/>
           <p:cNvSpPr/>
           <p:nvPr userDrawn="1"/>
         </p:nvSpPr>
@@ -3633,19 +3395,12 @@
                 <a:sym typeface="Helvetica Neue Medium"/>
               </a:defRPr>
             </a:pPr>
-            <a:endParaRPr/>
-          </a:p>
-        </p:txBody>
-      </p:sp>
-      <p:sp>
-        <p:nvSpPr>
-          <p:cNvPr id="14" name="矩形">
-            <a:extLst>
-              <a:ext uri="{FF2B5EF4-FFF2-40B4-BE49-F238E27FC236}">
-                <a16:creationId xmlns:a16="http://schemas.microsoft.com/office/drawing/2014/main" id="{869977ED-3120-41FF-867D-66C35C52F66B}"/>
-              </a:ext>
-            </a:extLst>
-          </p:cNvPr>
+          </a:p>
+        </p:txBody>
+      </p:sp>
+      <p:sp>
+        <p:nvSpPr>
+          <p:cNvPr id="14" name="矩形"/>
           <p:cNvSpPr/>
           <p:nvPr userDrawn="1"/>
         </p:nvSpPr>
@@ -3679,19 +3434,12 @@
                 <a:sym typeface="Helvetica Neue Medium"/>
               </a:defRPr>
             </a:pPr>
-            <a:endParaRPr/>
-          </a:p>
-        </p:txBody>
-      </p:sp>
-      <p:sp>
-        <p:nvSpPr>
-          <p:cNvPr id="16" name="矩形">
-            <a:extLst>
-              <a:ext uri="{FF2B5EF4-FFF2-40B4-BE49-F238E27FC236}">
-                <a16:creationId xmlns:a16="http://schemas.microsoft.com/office/drawing/2014/main" id="{CFB0B9D8-E258-48CC-B85C-6F341052FE3F}"/>
-              </a:ext>
-            </a:extLst>
-          </p:cNvPr>
+          </a:p>
+        </p:txBody>
+      </p:sp>
+      <p:sp>
+        <p:nvSpPr>
+          <p:cNvPr id="16" name="矩形"/>
           <p:cNvSpPr/>
           <p:nvPr userDrawn="1"/>
         </p:nvSpPr>
@@ -3735,20 +3483,14 @@
       </p:sp>
       <p:sp>
         <p:nvSpPr>
-          <p:cNvPr id="11" name="艾茵施坦">
-            <a:extLst>
-              <a:ext uri="{FF2B5EF4-FFF2-40B4-BE49-F238E27FC236}">
-                <a16:creationId xmlns:a16="http://schemas.microsoft.com/office/drawing/2014/main" id="{563B60F7-EBCA-4256-AA32-C57A5E6C0C40}"/>
-              </a:ext>
-            </a:extLst>
-          </p:cNvPr>
+          <p:cNvPr id="11" name="艾茵施坦"/>
           <p:cNvSpPr txBox="1"/>
           <p:nvPr userDrawn="1"/>
         </p:nvSpPr>
         <p:spPr>
           <a:xfrm>
-            <a:off x="625065" y="144755"/>
-            <a:ext cx="2660072" cy="718145"/>
+            <a:off x="625065" y="191725"/>
+            <a:ext cx="2660072" cy="624205"/>
           </a:xfrm>
           <a:prstGeom prst="rect">
             <a:avLst/>
@@ -3756,11 +3498,6 @@
           <a:ln w="12700">
             <a:miter lim="400000"/>
           </a:ln>
-          <a:extLst>
-            <a:ext uri="{C572A759-6A51-4108-AA02-DFA0A04FC94B}">
-              <ma14:wrappingTextBoxFlag xmlns="" xmlns:m="http://schemas.openxmlformats.org/officeDocument/2006/math" xmlns:a14="http://schemas.microsoft.com/office/drawing/2010/main" xmlns:ma14="http://schemas.microsoft.com/office/mac/drawingml/2011/main" val="1"/>
-            </a:ext>
-          </a:extLst>
         </p:spPr>
         <p:txBody>
           <a:bodyPr wrap="square" lIns="50800" tIns="50800" rIns="50800" bIns="50800" anchor="ctr">
@@ -3791,7 +3528,6 @@
               <a:buSzTx/>
               <a:buFontTx/>
               <a:buNone/>
-              <a:tabLst/>
               <a:defRPr/>
             </a:pPr>
             <a:r>
@@ -3823,11 +3559,10 @@
               <a:buSzTx/>
               <a:buFontTx/>
               <a:buNone/>
-              <a:tabLst/>
               <a:defRPr/>
             </a:pPr>
             <a:r>
-              <a:rPr lang="en-US" altLang="zh-CN" sz="2000" i="1">
+              <a:rPr lang="en-US" altLang="zh-CN" sz="1400" i="1">
                 <a:solidFill>
                   <a:schemeClr val="tx1">
                     <a:lumMod val="75000"/>
@@ -3837,26 +3572,27 @@
               </a:rPr>
               <a:t>SHIJITECH</a:t>
             </a:r>
-            <a:endParaRPr lang="en-US" altLang="zh-CN" sz="1600" i="1"/>
+            <a:endParaRPr lang="en-US" altLang="zh-CN" sz="1400" i="1">
+              <a:solidFill>
+                <a:schemeClr val="tx1">
+                  <a:lumMod val="75000"/>
+                  <a:lumOff val="25000"/>
+                </a:schemeClr>
+              </a:solidFill>
+            </a:endParaRPr>
           </a:p>
         </p:txBody>
       </p:sp>
       <p:pic>
         <p:nvPicPr>
-          <p:cNvPr id="13" name="图片 12">
-            <a:extLst>
-              <a:ext uri="{FF2B5EF4-FFF2-40B4-BE49-F238E27FC236}">
-                <a16:creationId xmlns:a16="http://schemas.microsoft.com/office/drawing/2014/main" id="{951C8703-45E1-47F2-AAD4-6827A5C7A10C}"/>
-              </a:ext>
-            </a:extLst>
-          </p:cNvPr>
+          <p:cNvPr id="13" name="图片 12"/>
           <p:cNvPicPr>
             <a:picLocks noChangeAspect="1"/>
           </p:cNvPicPr>
           <p:nvPr userDrawn="1"/>
         </p:nvPicPr>
         <p:blipFill>
-          <a:blip r:embed="rId13" cstate="print">
+          <a:blip r:embed="rId12" cstate="print">
             <a:extLst>
               <a:ext uri="{28A0092B-C50C-407E-A947-70E740481C1C}">
                 <a14:useLocalDpi xmlns:a14="http://schemas.microsoft.com/office/drawing/2010/main" val="0"/>
@@ -3878,11 +3614,6 @@
         </p:spPr>
       </p:pic>
     </p:spTree>
-    <p:extLst>
-      <p:ext uri="{BB962C8B-B14F-4D97-AF65-F5344CB8AC3E}">
-        <p14:creationId xmlns:p14="http://schemas.microsoft.com/office/powerpoint/2010/main" val="1755876275"/>
-      </p:ext>
-    </p:extLst>
   </p:cSld>
   <p:clrMap bg1="lt1" tx1="dk1" bg2="lt2" tx2="dk2" accent1="accent1" accent2="accent2" accent3="accent3" accent4="accent4" accent5="accent5" accent6="accent6" hlink="hlink" folHlink="folHlink"/>
   <p:sldLayoutIdLst>
@@ -4200,13 +3931,7 @@
       </p:grpSpPr>
       <p:sp>
         <p:nvSpPr>
-          <p:cNvPr id="11" name="Rectangle 27">
-            <a:extLst>
-              <a:ext uri="{FF2B5EF4-FFF2-40B4-BE49-F238E27FC236}">
-                <a16:creationId xmlns:a16="http://schemas.microsoft.com/office/drawing/2014/main" id="{16682FD0-7CDC-4C17-B75F-EAFAC806E76A}"/>
-              </a:ext>
-            </a:extLst>
-          </p:cNvPr>
+          <p:cNvPr id="11" name="Rectangle 27"/>
           <p:cNvSpPr txBox="1">
             <a:spLocks noChangeArrowheads="1"/>
           </p:cNvSpPr>
@@ -4260,6 +3985,20 @@
               </a:rPr>
               <a:t>背包问题分析图示</a:t>
             </a:r>
+            <a:endParaRPr lang="zh-CN" altLang="en-US" sz="2800" b="1" i="1">
+              <a:ln w="22225">
+                <a:solidFill>
+                  <a:schemeClr val="accent2"/>
+                </a:solidFill>
+                <a:prstDash val="solid"/>
+              </a:ln>
+              <a:solidFill>
+                <a:schemeClr val="accent2">
+                  <a:lumMod val="40000"/>
+                  <a:lumOff val="60000"/>
+                </a:schemeClr>
+              </a:solidFill>
+            </a:endParaRPr>
           </a:p>
         </p:txBody>
       </p:sp>
@@ -4296,6 +4035,7 @@
               <a:rPr lang="zh-CN" altLang="en-US" sz="2400"/>
               <a:t>磅东西的背包，潜入一个房间，可以盗窃如下三件商品。</a:t>
             </a:r>
+            <a:endParaRPr lang="zh-CN" altLang="en-US" sz="2400"/>
           </a:p>
         </p:txBody>
       </p:sp>
@@ -4308,7 +4048,7 @@
           <p:nvPr/>
         </p:nvPicPr>
         <p:blipFill>
-          <a:blip r:embed="rId2">
+          <a:blip r:embed="rId1">
             <a:extLst>
               <a:ext uri="{28A0092B-C50C-407E-A947-70E740481C1C}">
                 <a14:useLocalDpi xmlns:a14="http://schemas.microsoft.com/office/drawing/2010/main" val="0"/>
@@ -4330,11 +4070,6 @@
         </p:spPr>
       </p:pic>
     </p:spTree>
-    <p:extLst>
-      <p:ext uri="{BB962C8B-B14F-4D97-AF65-F5344CB8AC3E}">
-        <p14:creationId xmlns:p14="http://schemas.microsoft.com/office/powerpoint/2010/main" val="2703646292"/>
-      </p:ext>
-    </p:extLst>
   </p:cSld>
   <p:clrMapOvr>
     <a:masterClrMapping/>
@@ -4361,13 +4096,31 @@
       </p:grpSpPr>
       <p:pic>
         <p:nvPicPr>
-          <p:cNvPr id="4" name="图片 3">
-            <a:extLst>
-              <a:ext uri="{FF2B5EF4-FFF2-40B4-BE49-F238E27FC236}">
-                <a16:creationId xmlns:a16="http://schemas.microsoft.com/office/drawing/2014/main" id="{14EC60BA-B6CD-462F-B4BD-252969FE5EC2}"/>
-              </a:ext>
-            </a:extLst>
-          </p:cNvPr>
+          <p:cNvPr id="4" name="图片 3"/>
+          <p:cNvPicPr>
+            <a:picLocks noChangeAspect="1"/>
+          </p:cNvPicPr>
+          <p:nvPr/>
+        </p:nvPicPr>
+        <p:blipFill>
+          <a:blip r:embed="rId1"/>
+          <a:stretch>
+            <a:fillRect/>
+          </a:stretch>
+        </p:blipFill>
+        <p:spPr>
+          <a:xfrm>
+            <a:off x="674543" y="860280"/>
+            <a:ext cx="9429750" cy="1590675"/>
+          </a:xfrm>
+          <a:prstGeom prst="rect">
+            <a:avLst/>
+          </a:prstGeom>
+        </p:spPr>
+      </p:pic>
+      <p:pic>
+        <p:nvPicPr>
+          <p:cNvPr id="6" name="图片 5"/>
           <p:cNvPicPr>
             <a:picLocks noChangeAspect="1"/>
           </p:cNvPicPr>
@@ -4381,8 +4134,8 @@
         </p:blipFill>
         <p:spPr>
           <a:xfrm>
-            <a:off x="674543" y="860280"/>
-            <a:ext cx="9429750" cy="1590675"/>
+            <a:off x="2961409" y="2450955"/>
+            <a:ext cx="4648200" cy="3286125"/>
           </a:xfrm>
           <a:prstGeom prst="rect">
             <a:avLst/>
@@ -4391,13 +4144,7 @@
       </p:pic>
       <p:pic>
         <p:nvPicPr>
-          <p:cNvPr id="6" name="图片 5">
-            <a:extLst>
-              <a:ext uri="{FF2B5EF4-FFF2-40B4-BE49-F238E27FC236}">
-                <a16:creationId xmlns:a16="http://schemas.microsoft.com/office/drawing/2014/main" id="{6E26AEC4-7E1E-43C7-9761-E7DF72B94DFB}"/>
-              </a:ext>
-            </a:extLst>
-          </p:cNvPr>
+          <p:cNvPr id="8" name="图片 7"/>
           <p:cNvPicPr>
             <a:picLocks noChangeAspect="1"/>
           </p:cNvPicPr>
@@ -4411,36 +4158,6 @@
         </p:blipFill>
         <p:spPr>
           <a:xfrm>
-            <a:off x="2961409" y="2450955"/>
-            <a:ext cx="4648200" cy="3286125"/>
-          </a:xfrm>
-          <a:prstGeom prst="rect">
-            <a:avLst/>
-          </a:prstGeom>
-        </p:spPr>
-      </p:pic>
-      <p:pic>
-        <p:nvPicPr>
-          <p:cNvPr id="8" name="图片 7">
-            <a:extLst>
-              <a:ext uri="{FF2B5EF4-FFF2-40B4-BE49-F238E27FC236}">
-                <a16:creationId xmlns:a16="http://schemas.microsoft.com/office/drawing/2014/main" id="{F48C78E4-ADF4-4D4F-9592-EF6698CAD9B3}"/>
-              </a:ext>
-            </a:extLst>
-          </p:cNvPr>
-          <p:cNvPicPr>
-            <a:picLocks noChangeAspect="1"/>
-          </p:cNvPicPr>
-          <p:nvPr/>
-        </p:nvPicPr>
-        <p:blipFill>
-          <a:blip r:embed="rId4"/>
-          <a:stretch>
-            <a:fillRect/>
-          </a:stretch>
-        </p:blipFill>
-        <p:spPr>
-          <a:xfrm>
             <a:off x="1188459" y="5814146"/>
             <a:ext cx="6753225" cy="466725"/>
           </a:xfrm>
@@ -4450,11 +4167,6 @@
         </p:spPr>
       </p:pic>
     </p:spTree>
-    <p:extLst>
-      <p:ext uri="{BB962C8B-B14F-4D97-AF65-F5344CB8AC3E}">
-        <p14:creationId xmlns:p14="http://schemas.microsoft.com/office/powerpoint/2010/main" val="1724169305"/>
-      </p:ext>
-    </p:extLst>
   </p:cSld>
   <p:clrMapOvr>
     <a:masterClrMapping/>
@@ -4481,13 +4193,31 @@
       </p:grpSpPr>
       <p:pic>
         <p:nvPicPr>
-          <p:cNvPr id="4" name="图片 3">
-            <a:extLst>
-              <a:ext uri="{FF2B5EF4-FFF2-40B4-BE49-F238E27FC236}">
-                <a16:creationId xmlns:a16="http://schemas.microsoft.com/office/drawing/2014/main" id="{45F95B65-E957-4097-8A6D-CF47B6317C28}"/>
-              </a:ext>
-            </a:extLst>
-          </p:cNvPr>
+          <p:cNvPr id="4" name="图片 3"/>
+          <p:cNvPicPr>
+            <a:picLocks noChangeAspect="1"/>
+          </p:cNvPicPr>
+          <p:nvPr/>
+        </p:nvPicPr>
+        <p:blipFill>
+          <a:blip r:embed="rId1"/>
+          <a:stretch>
+            <a:fillRect/>
+          </a:stretch>
+        </p:blipFill>
+        <p:spPr>
+          <a:xfrm>
+            <a:off x="989734" y="878032"/>
+            <a:ext cx="9505950" cy="1028700"/>
+          </a:xfrm>
+          <a:prstGeom prst="rect">
+            <a:avLst/>
+          </a:prstGeom>
+        </p:spPr>
+      </p:pic>
+      <p:pic>
+        <p:nvPicPr>
+          <p:cNvPr id="6" name="图片 5"/>
           <p:cNvPicPr>
             <a:picLocks noChangeAspect="1"/>
           </p:cNvPicPr>
@@ -4501,8 +4231,8 @@
         </p:blipFill>
         <p:spPr>
           <a:xfrm>
-            <a:off x="989734" y="878032"/>
-            <a:ext cx="9505950" cy="1028700"/>
+            <a:off x="2293360" y="1906732"/>
+            <a:ext cx="6898698" cy="1566240"/>
           </a:xfrm>
           <a:prstGeom prst="rect">
             <a:avLst/>
@@ -4511,13 +4241,7 @@
       </p:pic>
       <p:pic>
         <p:nvPicPr>
-          <p:cNvPr id="6" name="图片 5">
-            <a:extLst>
-              <a:ext uri="{FF2B5EF4-FFF2-40B4-BE49-F238E27FC236}">
-                <a16:creationId xmlns:a16="http://schemas.microsoft.com/office/drawing/2014/main" id="{2D8FD319-5319-47FF-B21E-0410D27D42BA}"/>
-              </a:ext>
-            </a:extLst>
-          </p:cNvPr>
+          <p:cNvPr id="8" name="图片 7"/>
           <p:cNvPicPr>
             <a:picLocks noChangeAspect="1"/>
           </p:cNvPicPr>
@@ -4531,8 +4255,8 @@
         </p:blipFill>
         <p:spPr>
           <a:xfrm>
-            <a:off x="2293360" y="1906732"/>
-            <a:ext cx="6898698" cy="1566240"/>
+            <a:off x="989734" y="3701761"/>
+            <a:ext cx="9477375" cy="742950"/>
           </a:xfrm>
           <a:prstGeom prst="rect">
             <a:avLst/>
@@ -4541,13 +4265,7 @@
       </p:pic>
       <p:pic>
         <p:nvPicPr>
-          <p:cNvPr id="8" name="图片 7">
-            <a:extLst>
-              <a:ext uri="{FF2B5EF4-FFF2-40B4-BE49-F238E27FC236}">
-                <a16:creationId xmlns:a16="http://schemas.microsoft.com/office/drawing/2014/main" id="{933A8003-3E24-4843-8543-F663FBD2FD31}"/>
-              </a:ext>
-            </a:extLst>
-          </p:cNvPr>
+          <p:cNvPr id="10" name="图片 9"/>
           <p:cNvPicPr>
             <a:picLocks noChangeAspect="1"/>
           </p:cNvPicPr>
@@ -4561,36 +4279,6 @@
         </p:blipFill>
         <p:spPr>
           <a:xfrm>
-            <a:off x="989734" y="3701761"/>
-            <a:ext cx="9477375" cy="742950"/>
-          </a:xfrm>
-          <a:prstGeom prst="rect">
-            <a:avLst/>
-          </a:prstGeom>
-        </p:spPr>
-      </p:pic>
-      <p:pic>
-        <p:nvPicPr>
-          <p:cNvPr id="10" name="图片 9">
-            <a:extLst>
-              <a:ext uri="{FF2B5EF4-FFF2-40B4-BE49-F238E27FC236}">
-                <a16:creationId xmlns:a16="http://schemas.microsoft.com/office/drawing/2014/main" id="{C18C014D-5F91-4612-BC3A-0168513CB3B5}"/>
-              </a:ext>
-            </a:extLst>
-          </p:cNvPr>
-          <p:cNvPicPr>
-            <a:picLocks noChangeAspect="1"/>
-          </p:cNvPicPr>
-          <p:nvPr/>
-        </p:nvPicPr>
-        <p:blipFill>
-          <a:blip r:embed="rId5"/>
-          <a:stretch>
-            <a:fillRect/>
-          </a:stretch>
-        </p:blipFill>
-        <p:spPr>
-          <a:xfrm>
             <a:off x="4146189" y="4501672"/>
             <a:ext cx="3899621" cy="1915603"/>
           </a:xfrm>
@@ -4600,11 +4288,6 @@
         </p:spPr>
       </p:pic>
     </p:spTree>
-    <p:extLst>
-      <p:ext uri="{BB962C8B-B14F-4D97-AF65-F5344CB8AC3E}">
-        <p14:creationId xmlns:p14="http://schemas.microsoft.com/office/powerpoint/2010/main" val="444959804"/>
-      </p:ext>
-    </p:extLst>
   </p:cSld>
   <p:clrMapOvr>
     <a:masterClrMapping/>
@@ -4654,6 +4337,7 @@
               <a:rPr lang="zh-CN" altLang="en-US" sz="2400"/>
               <a:t>为了让盗窃的商品价值最高，你应该盗窃哪些商品？最简单的算法：尝试各种可能的商品组合，并找出价值最高的组合。</a:t>
             </a:r>
+            <a:endParaRPr lang="zh-CN" altLang="en-US" sz="2400"/>
           </a:p>
         </p:txBody>
       </p:sp>
@@ -4666,7 +4350,7 @@
           <p:nvPr/>
         </p:nvPicPr>
         <p:blipFill>
-          <a:blip r:embed="rId2">
+          <a:blip r:embed="rId1">
             <a:extLst>
               <a:ext uri="{28A0092B-C50C-407E-A947-70E740481C1C}">
                 <a14:useLocalDpi xmlns:a14="http://schemas.microsoft.com/office/drawing/2010/main" val="0"/>
@@ -4688,11 +4372,6 @@
         </p:spPr>
       </p:pic>
     </p:spTree>
-    <p:extLst>
-      <p:ext uri="{BB962C8B-B14F-4D97-AF65-F5344CB8AC3E}">
-        <p14:creationId xmlns:p14="http://schemas.microsoft.com/office/powerpoint/2010/main" val="799129895"/>
-      </p:ext>
-    </p:extLst>
   </p:cSld>
   <p:clrMapOvr>
     <a:masterClrMapping/>
@@ -4804,8 +4483,21 @@
             </a:r>
             <a:r>
               <a:rPr lang="zh-CN" altLang="en-US" sz="2400"/>
-              <a:t>动态规划算法原理：先解决子问题，再逐步解决大的问题。对于背包问题，先解决（子背包）问题！</a:t>
-            </a:r>
+              <a:t>动态规划算法原理：</a:t>
+            </a:r>
+            <a:r>
+              <a:rPr lang="zh-CN" altLang="en-US" sz="2400">
+                <a:solidFill>
+                  <a:srgbClr val="FF0000"/>
+                </a:solidFill>
+              </a:rPr>
+              <a:t>先解决子问题，再逐步解决大的问题。</a:t>
+            </a:r>
+            <a:r>
+              <a:rPr lang="zh-CN" altLang="en-US" sz="2400"/>
+              <a:t>对于背包问题，先解决（子背包）问题！</a:t>
+            </a:r>
+            <a:endParaRPr lang="zh-CN" altLang="en-US" sz="2400"/>
           </a:p>
         </p:txBody>
       </p:sp>
@@ -4818,7 +4510,7 @@
           <p:nvPr/>
         </p:nvPicPr>
         <p:blipFill>
-          <a:blip r:embed="rId2">
+          <a:blip r:embed="rId1">
             <a:extLst>
               <a:ext uri="{28A0092B-C50C-407E-A947-70E740481C1C}">
                 <a14:useLocalDpi xmlns:a14="http://schemas.microsoft.com/office/drawing/2010/main" val="0"/>
@@ -4840,11 +4532,6 @@
         </p:spPr>
       </p:pic>
     </p:spTree>
-    <p:extLst>
-      <p:ext uri="{BB962C8B-B14F-4D97-AF65-F5344CB8AC3E}">
-        <p14:creationId xmlns:p14="http://schemas.microsoft.com/office/powerpoint/2010/main" val="1588776159"/>
-      </p:ext>
-    </p:extLst>
   </p:cSld>
   <p:clrMapOvr>
     <a:masterClrMapping/>
@@ -4894,6 +4581,7 @@
               <a:rPr lang="zh-CN" altLang="en-US" sz="2400"/>
               <a:t>网格解题（初始状态为空）：</a:t>
             </a:r>
+            <a:endParaRPr lang="zh-CN" altLang="en-US" sz="2400"/>
           </a:p>
         </p:txBody>
       </p:sp>
@@ -4906,7 +4594,7 @@
           <p:nvPr/>
         </p:nvPicPr>
         <p:blipFill>
-          <a:blip r:embed="rId2">
+          <a:blip r:embed="rId1">
             <a:extLst>
               <a:ext uri="{28A0092B-C50C-407E-A947-70E740481C1C}">
                 <a14:useLocalDpi xmlns:a14="http://schemas.microsoft.com/office/drawing/2010/main" val="0"/>
@@ -4928,11 +4616,6 @@
         </p:spPr>
       </p:pic>
     </p:spTree>
-    <p:extLst>
-      <p:ext uri="{BB962C8B-B14F-4D97-AF65-F5344CB8AC3E}">
-        <p14:creationId xmlns:p14="http://schemas.microsoft.com/office/powerpoint/2010/main" val="1368296855"/>
-      </p:ext>
-    </p:extLst>
   </p:cSld>
   <p:clrMapOvr>
     <a:masterClrMapping/>
@@ -4982,6 +4665,7 @@
               <a:rPr lang="zh-CN" altLang="en-US" sz="2400"/>
               <a:t>吉他行：</a:t>
             </a:r>
+            <a:endParaRPr lang="zh-CN" altLang="en-US" sz="2400"/>
           </a:p>
         </p:txBody>
       </p:sp>
@@ -4994,7 +4678,7 @@
           <p:nvPr/>
         </p:nvPicPr>
         <p:blipFill>
-          <a:blip r:embed="rId2">
+          <a:blip r:embed="rId1">
             <a:extLst>
               <a:ext uri="{28A0092B-C50C-407E-A947-70E740481C1C}">
                 <a14:useLocalDpi xmlns:a14="http://schemas.microsoft.com/office/drawing/2010/main" val="0"/>
@@ -5016,11 +4700,6 @@
         </p:spPr>
       </p:pic>
     </p:spTree>
-    <p:extLst>
-      <p:ext uri="{BB962C8B-B14F-4D97-AF65-F5344CB8AC3E}">
-        <p14:creationId xmlns:p14="http://schemas.microsoft.com/office/powerpoint/2010/main" val="2237973183"/>
-      </p:ext>
-    </p:extLst>
   </p:cSld>
   <p:clrMapOvr>
     <a:masterClrMapping/>
@@ -5070,6 +4749,7 @@
               <a:rPr lang="zh-CN" altLang="en-US" sz="2400"/>
               <a:t>音响行：</a:t>
             </a:r>
+            <a:endParaRPr lang="zh-CN" altLang="en-US" sz="2400"/>
           </a:p>
         </p:txBody>
       </p:sp>
@@ -5082,7 +4762,7 @@
           <p:nvPr/>
         </p:nvPicPr>
         <p:blipFill>
-          <a:blip r:embed="rId2">
+          <a:blip r:embed="rId1">
             <a:extLst>
               <a:ext uri="{28A0092B-C50C-407E-A947-70E740481C1C}">
                 <a14:useLocalDpi xmlns:a14="http://schemas.microsoft.com/office/drawing/2010/main" val="0"/>
@@ -5104,11 +4784,6 @@
         </p:spPr>
       </p:pic>
     </p:spTree>
-    <p:extLst>
-      <p:ext uri="{BB962C8B-B14F-4D97-AF65-F5344CB8AC3E}">
-        <p14:creationId xmlns:p14="http://schemas.microsoft.com/office/powerpoint/2010/main" val="170736890"/>
-      </p:ext>
-    </p:extLst>
   </p:cSld>
   <p:clrMapOvr>
     <a:masterClrMapping/>
@@ -5158,6 +4833,7 @@
               <a:rPr lang="zh-CN" altLang="en-US" sz="2400"/>
               <a:t>笔记本电脑行：</a:t>
             </a:r>
+            <a:endParaRPr lang="zh-CN" altLang="en-US" sz="2400"/>
           </a:p>
         </p:txBody>
       </p:sp>
@@ -5170,7 +4846,7 @@
           <p:nvPr/>
         </p:nvPicPr>
         <p:blipFill>
-          <a:blip r:embed="rId2">
+          <a:blip r:embed="rId1">
             <a:extLst>
               <a:ext uri="{28A0092B-C50C-407E-A947-70E740481C1C}">
                 <a14:useLocalDpi xmlns:a14="http://schemas.microsoft.com/office/drawing/2010/main" val="0"/>
@@ -5192,11 +4868,6 @@
         </p:spPr>
       </p:pic>
     </p:spTree>
-    <p:extLst>
-      <p:ext uri="{BB962C8B-B14F-4D97-AF65-F5344CB8AC3E}">
-        <p14:creationId xmlns:p14="http://schemas.microsoft.com/office/powerpoint/2010/main" val="203968684"/>
-      </p:ext>
-    </p:extLst>
   </p:cSld>
   <p:clrMapOvr>
     <a:masterClrMapping/>
@@ -5230,7 +4901,7 @@
           <p:nvPr/>
         </p:nvPicPr>
         <p:blipFill>
-          <a:blip r:embed="rId2">
+          <a:blip r:embed="rId1">
             <a:extLst>
               <a:ext uri="{28A0092B-C50C-407E-A947-70E740481C1C}">
                 <a14:useLocalDpi xmlns:a14="http://schemas.microsoft.com/office/drawing/2010/main" val="0"/>
@@ -5252,11 +4923,6 @@
         </p:spPr>
       </p:pic>
     </p:spTree>
-    <p:extLst>
-      <p:ext uri="{BB962C8B-B14F-4D97-AF65-F5344CB8AC3E}">
-        <p14:creationId xmlns:p14="http://schemas.microsoft.com/office/powerpoint/2010/main" val="2176502090"/>
-      </p:ext>
-    </p:extLst>
   </p:cSld>
   <p:clrMapOvr>
     <a:masterClrMapping/>
@@ -5283,13 +4949,31 @@
       </p:grpSpPr>
       <p:pic>
         <p:nvPicPr>
-          <p:cNvPr id="4" name="图片 3">
-            <a:extLst>
-              <a:ext uri="{FF2B5EF4-FFF2-40B4-BE49-F238E27FC236}">
-                <a16:creationId xmlns:a16="http://schemas.microsoft.com/office/drawing/2014/main" id="{464E7DC0-4E2C-4302-B70F-3D3F50230760}"/>
-              </a:ext>
-            </a:extLst>
-          </p:cNvPr>
+          <p:cNvPr id="4" name="图片 3"/>
+          <p:cNvPicPr>
+            <a:picLocks noChangeAspect="1"/>
+          </p:cNvPicPr>
+          <p:nvPr/>
+        </p:nvPicPr>
+        <p:blipFill>
+          <a:blip r:embed="rId1"/>
+          <a:stretch>
+            <a:fillRect/>
+          </a:stretch>
+        </p:blipFill>
+        <p:spPr>
+          <a:xfrm>
+            <a:off x="547687" y="1007052"/>
+            <a:ext cx="6981825" cy="438150"/>
+          </a:xfrm>
+          <a:prstGeom prst="rect">
+            <a:avLst/>
+          </a:prstGeom>
+        </p:spPr>
+      </p:pic>
+      <p:pic>
+        <p:nvPicPr>
+          <p:cNvPr id="6" name="图片 5"/>
           <p:cNvPicPr>
             <a:picLocks noChangeAspect="1"/>
           </p:cNvPicPr>
@@ -5303,8 +4987,8 @@
         </p:blipFill>
         <p:spPr>
           <a:xfrm>
-            <a:off x="547687" y="1007052"/>
-            <a:ext cx="6981825" cy="438150"/>
+            <a:off x="2514601" y="1445202"/>
+            <a:ext cx="4586287" cy="2624329"/>
           </a:xfrm>
           <a:prstGeom prst="rect">
             <a:avLst/>
@@ -5313,13 +4997,7 @@
       </p:pic>
       <p:pic>
         <p:nvPicPr>
-          <p:cNvPr id="6" name="图片 5">
-            <a:extLst>
-              <a:ext uri="{FF2B5EF4-FFF2-40B4-BE49-F238E27FC236}">
-                <a16:creationId xmlns:a16="http://schemas.microsoft.com/office/drawing/2014/main" id="{6702DE77-01E0-4B48-A8E5-87A20DAA4AAC}"/>
-              </a:ext>
-            </a:extLst>
-          </p:cNvPr>
+          <p:cNvPr id="8" name="图片 7"/>
           <p:cNvPicPr>
             <a:picLocks noChangeAspect="1"/>
           </p:cNvPicPr>
@@ -5333,8 +5011,8 @@
         </p:blipFill>
         <p:spPr>
           <a:xfrm>
-            <a:off x="2514601" y="1445202"/>
-            <a:ext cx="4586287" cy="2624329"/>
+            <a:off x="547687" y="4278457"/>
+            <a:ext cx="9496425" cy="781050"/>
           </a:xfrm>
           <a:prstGeom prst="rect">
             <a:avLst/>
@@ -5343,13 +5021,7 @@
       </p:pic>
       <p:pic>
         <p:nvPicPr>
-          <p:cNvPr id="8" name="图片 7">
-            <a:extLst>
-              <a:ext uri="{FF2B5EF4-FFF2-40B4-BE49-F238E27FC236}">
-                <a16:creationId xmlns:a16="http://schemas.microsoft.com/office/drawing/2014/main" id="{E8552BC1-46DC-44CD-87C2-49A9AC30E7F1}"/>
-              </a:ext>
-            </a:extLst>
-          </p:cNvPr>
+          <p:cNvPr id="10" name="图片 9"/>
           <p:cNvPicPr>
             <a:picLocks noChangeAspect="1"/>
           </p:cNvPicPr>
@@ -5363,36 +5035,6 @@
         </p:blipFill>
         <p:spPr>
           <a:xfrm>
-            <a:off x="547687" y="4278457"/>
-            <a:ext cx="9496425" cy="781050"/>
-          </a:xfrm>
-          <a:prstGeom prst="rect">
-            <a:avLst/>
-          </a:prstGeom>
-        </p:spPr>
-      </p:pic>
-      <p:pic>
-        <p:nvPicPr>
-          <p:cNvPr id="10" name="图片 9">
-            <a:extLst>
-              <a:ext uri="{FF2B5EF4-FFF2-40B4-BE49-F238E27FC236}">
-                <a16:creationId xmlns:a16="http://schemas.microsoft.com/office/drawing/2014/main" id="{47C13CC7-30AA-45F1-9084-E05F54C25C54}"/>
-              </a:ext>
-            </a:extLst>
-          </p:cNvPr>
-          <p:cNvPicPr>
-            <a:picLocks noChangeAspect="1"/>
-          </p:cNvPicPr>
-          <p:nvPr/>
-        </p:nvPicPr>
-        <p:blipFill>
-          <a:blip r:embed="rId5"/>
-          <a:stretch>
-            <a:fillRect/>
-          </a:stretch>
-        </p:blipFill>
-        <p:spPr>
-          <a:xfrm>
             <a:off x="2720253" y="4989490"/>
             <a:ext cx="5841856" cy="1398754"/>
           </a:xfrm>
@@ -5402,16 +5044,18 @@
         </p:spPr>
       </p:pic>
     </p:spTree>
-    <p:extLst>
-      <p:ext uri="{BB962C8B-B14F-4D97-AF65-F5344CB8AC3E}">
-        <p14:creationId xmlns:p14="http://schemas.microsoft.com/office/powerpoint/2010/main" val="2398298040"/>
-      </p:ext>
-    </p:extLst>
   </p:cSld>
   <p:clrMapOvr>
     <a:masterClrMapping/>
   </p:clrMapOvr>
 </p:sld>
+</file>
+
+<file path=ppt/tags/tag1.xml><?xml version="1.0" encoding="utf-8"?>
+<p:tagLst xmlns:p="http://schemas.openxmlformats.org/presentationml/2006/main">
+  <p:tag name="KSO_WPP_MARK_KEY" val="e076bf2d-a13a-4e47-bb9b-61bda6a4e2e9"/>
+  <p:tag name="COMMONDATA" val="eyJoZGlkIjoiN2YzNjBkOTgyNWQ1YTMxYzM3MzMwNWFiODNmOWIzYWMifQ=="/>
+</p:tagLst>
 </file>
 
 <file path=ppt/theme/theme1.xml><?xml version="1.0" encoding="utf-8"?>
@@ -5457,7 +5101,7 @@
     </a:clrScheme>
     <a:fontScheme name="Office">
       <a:majorFont>
-        <a:latin typeface="等线 Light" panose="020F0302020204030204"/>
+        <a:latin typeface="等线 Light"/>
         <a:ea typeface=""/>
         <a:cs typeface=""/>
         <a:font script="Jpan" typeface="游ゴシック Light"/>
@@ -5490,26 +5134,9 @@
         <a:font script="Viet" typeface="Times New Roman"/>
         <a:font script="Uigh" typeface="Microsoft Uighur"/>
         <a:font script="Geor" typeface="Sylfaen"/>
-        <a:font script="Armn" typeface="Arial"/>
-        <a:font script="Bugi" typeface="Leelawadee UI"/>
-        <a:font script="Bopo" typeface="Microsoft JhengHei"/>
-        <a:font script="Java" typeface="Javanese Text"/>
-        <a:font script="Lisu" typeface="Segoe UI"/>
-        <a:font script="Mymr" typeface="Myanmar Text"/>
-        <a:font script="Nkoo" typeface="Ebrima"/>
-        <a:font script="Olck" typeface="Nirmala UI"/>
-        <a:font script="Osma" typeface="Ebrima"/>
-        <a:font script="Phag" typeface="Phagspa"/>
-        <a:font script="Syrn" typeface="Estrangelo Edessa"/>
-        <a:font script="Syrj" typeface="Estrangelo Edessa"/>
-        <a:font script="Syre" typeface="Estrangelo Edessa"/>
-        <a:font script="Sora" typeface="Nirmala UI"/>
-        <a:font script="Tale" typeface="Microsoft Tai Le"/>
-        <a:font script="Talu" typeface="Microsoft New Tai Lue"/>
-        <a:font script="Tfng" typeface="Ebrima"/>
       </a:majorFont>
       <a:minorFont>
-        <a:latin typeface="等线" panose="020F0502020204030204"/>
+        <a:latin typeface="等线"/>
         <a:ea typeface=""/>
         <a:cs typeface=""/>
         <a:font script="Jpan" typeface="游ゴシック"/>
@@ -5542,23 +5169,6 @@
         <a:font script="Viet" typeface="Arial"/>
         <a:font script="Uigh" typeface="Microsoft Uighur"/>
         <a:font script="Geor" typeface="Sylfaen"/>
-        <a:font script="Armn" typeface="Arial"/>
-        <a:font script="Bugi" typeface="Leelawadee UI"/>
-        <a:font script="Bopo" typeface="Microsoft JhengHei"/>
-        <a:font script="Java" typeface="Javanese Text"/>
-        <a:font script="Lisu" typeface="Segoe UI"/>
-        <a:font script="Mymr" typeface="Myanmar Text"/>
-        <a:font script="Nkoo" typeface="Ebrima"/>
-        <a:font script="Olck" typeface="Nirmala UI"/>
-        <a:font script="Osma" typeface="Ebrima"/>
-        <a:font script="Phag" typeface="Phagspa"/>
-        <a:font script="Syrn" typeface="Estrangelo Edessa"/>
-        <a:font script="Syrj" typeface="Estrangelo Edessa"/>
-        <a:font script="Syre" typeface="Estrangelo Edessa"/>
-        <a:font script="Sora" typeface="Nirmala UI"/>
-        <a:font script="Tale" typeface="Microsoft Tai Le"/>
-        <a:font script="Talu" typeface="Microsoft New Tai Lue"/>
-        <a:font script="Tfng" typeface="Ebrima"/>
       </a:minorFont>
     </a:fontScheme>
     <a:fmtScheme name="Office">
@@ -5699,8 +5309,6 @@
       </a:bgFillStyleLst>
     </a:fmtScheme>
   </a:themeElements>
-  <a:objectDefaults/>
-  <a:extraClrSchemeLst/>
   <a:extLst>
     <a:ext uri="{05A4C25C-085E-4340-85A3-A5531E510DB2}">
       <thm15:themeFamily xmlns:thm15="http://schemas.microsoft.com/office/thememl/2012/main" name="Office Theme" id="{62F939B6-93AF-4DB8-9C6B-D6C7DFDC589F}" vid="{4A3C46E8-61CC-4603-A589-7422A47A8E4A}"/>
@@ -5752,7 +5360,7 @@
     </a:clrScheme>
     <a:fontScheme name="Office">
       <a:majorFont>
-        <a:latin typeface="Calibri Light" panose="020F0302020204030204"/>
+        <a:latin typeface="Calibri Light"/>
         <a:ea typeface=""/>
         <a:cs typeface=""/>
         <a:font script="Jpan" typeface="ＭＳ Ｐゴシック"/>
@@ -5787,7 +5395,7 @@
         <a:font script="Geor" typeface="Sylfaen"/>
       </a:majorFont>
       <a:minorFont>
-        <a:latin typeface="Calibri" panose="020F0502020204030204"/>
+        <a:latin typeface="Calibri"/>
         <a:ea typeface=""/>
         <a:cs typeface=""/>
         <a:font script="Jpan" typeface="ＭＳ Ｐゴシック"/>
@@ -5960,8 +5568,265 @@
       </a:bgFillStyleLst>
     </a:fmtScheme>
   </a:themeElements>
-  <a:objectDefaults/>
-  <a:extraClrSchemeLst/>
+  <a:extLst>
+    <a:ext uri="{05A4C25C-085E-4340-85A3-A5531E510DB2}">
+      <thm15:themeFamily xmlns:thm15="http://schemas.microsoft.com/office/thememl/2012/main" name="Office Theme" id="{62F939B6-93AF-4DB8-9C6B-D6C7DFDC589F}" vid="{4A3C46E8-61CC-4603-A589-7422A47A8E4A}"/>
+    </a:ext>
+  </a:extLst>
+</a:theme>
+</file>
+
+<file path=ppt/theme/theme3.xml><?xml version="1.0" encoding="utf-8"?>
+<a:theme xmlns:a="http://schemas.openxmlformats.org/drawingml/2006/main" name="Office 主题">
+  <a:themeElements>
+    <a:clrScheme name="Office">
+      <a:dk1>
+        <a:sysClr val="windowText" lastClr="000000"/>
+      </a:dk1>
+      <a:lt1>
+        <a:sysClr val="window" lastClr="FFFFFF"/>
+      </a:lt1>
+      <a:dk2>
+        <a:srgbClr val="44546A"/>
+      </a:dk2>
+      <a:lt2>
+        <a:srgbClr val="E7E6E6"/>
+      </a:lt2>
+      <a:accent1>
+        <a:srgbClr val="5B9BD5"/>
+      </a:accent1>
+      <a:accent2>
+        <a:srgbClr val="ED7D31"/>
+      </a:accent2>
+      <a:accent3>
+        <a:srgbClr val="A5A5A5"/>
+      </a:accent3>
+      <a:accent4>
+        <a:srgbClr val="FFC000"/>
+      </a:accent4>
+      <a:accent5>
+        <a:srgbClr val="4472C4"/>
+      </a:accent5>
+      <a:accent6>
+        <a:srgbClr val="70AD47"/>
+      </a:accent6>
+      <a:hlink>
+        <a:srgbClr val="0563C1"/>
+      </a:hlink>
+      <a:folHlink>
+        <a:srgbClr val="954F72"/>
+      </a:folHlink>
+    </a:clrScheme>
+    <a:fontScheme name="Office">
+      <a:majorFont>
+        <a:latin typeface="Calibri Light"/>
+        <a:ea typeface=""/>
+        <a:cs typeface=""/>
+        <a:font script="Jpan" typeface="ＭＳ Ｐゴシック"/>
+        <a:font script="Hang" typeface="맑은 고딕"/>
+        <a:font script="Hans" typeface="宋体"/>
+        <a:font script="Hant" typeface="新細明體"/>
+        <a:font script="Arab" typeface="Times New Roman"/>
+        <a:font script="Hebr" typeface="Times New Roman"/>
+        <a:font script="Thai" typeface="Angsana New"/>
+        <a:font script="Ethi" typeface="Nyala"/>
+        <a:font script="Beng" typeface="Vrinda"/>
+        <a:font script="Gujr" typeface="Shruti"/>
+        <a:font script="Khmr" typeface="MoolBoran"/>
+        <a:font script="Knda" typeface="Tunga"/>
+        <a:font script="Guru" typeface="Raavi"/>
+        <a:font script="Cans" typeface="Euphemia"/>
+        <a:font script="Cher" typeface="Plantagenet Cherokee"/>
+        <a:font script="Yiii" typeface="Microsoft Yi Baiti"/>
+        <a:font script="Tibt" typeface="Microsoft Himalaya"/>
+        <a:font script="Thaa" typeface="MV Boli"/>
+        <a:font script="Deva" typeface="Mangal"/>
+        <a:font script="Telu" typeface="Gautami"/>
+        <a:font script="Taml" typeface="Latha"/>
+        <a:font script="Syrc" typeface="Estrangelo Edessa"/>
+        <a:font script="Orya" typeface="Kalinga"/>
+        <a:font script="Mlym" typeface="Kartika"/>
+        <a:font script="Laoo" typeface="DokChampa"/>
+        <a:font script="Sinh" typeface="Iskoola Pota"/>
+        <a:font script="Mong" typeface="Mongolian Baiti"/>
+        <a:font script="Viet" typeface="Times New Roman"/>
+        <a:font script="Uigh" typeface="Microsoft Uighur"/>
+        <a:font script="Geor" typeface="Sylfaen"/>
+      </a:majorFont>
+      <a:minorFont>
+        <a:latin typeface="Calibri"/>
+        <a:ea typeface=""/>
+        <a:cs typeface=""/>
+        <a:font script="Jpan" typeface="ＭＳ Ｐゴシック"/>
+        <a:font script="Hang" typeface="맑은 고딕"/>
+        <a:font script="Hans" typeface="宋体"/>
+        <a:font script="Hant" typeface="新細明體"/>
+        <a:font script="Arab" typeface="Arial"/>
+        <a:font script="Hebr" typeface="Arial"/>
+        <a:font script="Thai" typeface="Cordia New"/>
+        <a:font script="Ethi" typeface="Nyala"/>
+        <a:font script="Beng" typeface="Vrinda"/>
+        <a:font script="Gujr" typeface="Shruti"/>
+        <a:font script="Khmr" typeface="DaunPenh"/>
+        <a:font script="Knda" typeface="Tunga"/>
+        <a:font script="Guru" typeface="Raavi"/>
+        <a:font script="Cans" typeface="Euphemia"/>
+        <a:font script="Cher" typeface="Plantagenet Cherokee"/>
+        <a:font script="Yiii" typeface="Microsoft Yi Baiti"/>
+        <a:font script="Tibt" typeface="Microsoft Himalaya"/>
+        <a:font script="Thaa" typeface="MV Boli"/>
+        <a:font script="Deva" typeface="Mangal"/>
+        <a:font script="Telu" typeface="Gautami"/>
+        <a:font script="Taml" typeface="Latha"/>
+        <a:font script="Syrc" typeface="Estrangelo Edessa"/>
+        <a:font script="Orya" typeface="Kalinga"/>
+        <a:font script="Mlym" typeface="Kartika"/>
+        <a:font script="Laoo" typeface="DokChampa"/>
+        <a:font script="Sinh" typeface="Iskoola Pota"/>
+        <a:font script="Mong" typeface="Mongolian Baiti"/>
+        <a:font script="Viet" typeface="Arial"/>
+        <a:font script="Uigh" typeface="Microsoft Uighur"/>
+        <a:font script="Geor" typeface="Sylfaen"/>
+      </a:minorFont>
+    </a:fontScheme>
+    <a:fmtScheme name="Office">
+      <a:fillStyleLst>
+        <a:solidFill>
+          <a:schemeClr val="phClr"/>
+        </a:solidFill>
+        <a:gradFill rotWithShape="1">
+          <a:gsLst>
+            <a:gs pos="0">
+              <a:schemeClr val="phClr">
+                <a:lumMod val="110000"/>
+                <a:satMod val="105000"/>
+                <a:tint val="67000"/>
+              </a:schemeClr>
+            </a:gs>
+            <a:gs pos="50000">
+              <a:schemeClr val="phClr">
+                <a:lumMod val="105000"/>
+                <a:satMod val="103000"/>
+                <a:tint val="73000"/>
+              </a:schemeClr>
+            </a:gs>
+            <a:gs pos="100000">
+              <a:schemeClr val="phClr">
+                <a:lumMod val="105000"/>
+                <a:satMod val="109000"/>
+                <a:tint val="81000"/>
+              </a:schemeClr>
+            </a:gs>
+          </a:gsLst>
+          <a:lin ang="5400000" scaled="0"/>
+        </a:gradFill>
+        <a:gradFill rotWithShape="1">
+          <a:gsLst>
+            <a:gs pos="0">
+              <a:schemeClr val="phClr">
+                <a:satMod val="103000"/>
+                <a:lumMod val="102000"/>
+                <a:tint val="94000"/>
+              </a:schemeClr>
+            </a:gs>
+            <a:gs pos="50000">
+              <a:schemeClr val="phClr">
+                <a:satMod val="110000"/>
+                <a:lumMod val="100000"/>
+                <a:shade val="100000"/>
+              </a:schemeClr>
+            </a:gs>
+            <a:gs pos="100000">
+              <a:schemeClr val="phClr">
+                <a:lumMod val="99000"/>
+                <a:satMod val="120000"/>
+                <a:shade val="78000"/>
+              </a:schemeClr>
+            </a:gs>
+          </a:gsLst>
+          <a:lin ang="5400000" scaled="0"/>
+        </a:gradFill>
+      </a:fillStyleLst>
+      <a:lnStyleLst>
+        <a:ln w="6350" cap="flat" cmpd="sng" algn="ctr">
+          <a:solidFill>
+            <a:schemeClr val="phClr"/>
+          </a:solidFill>
+          <a:prstDash val="solid"/>
+          <a:miter lim="800000"/>
+        </a:ln>
+        <a:ln w="12700" cap="flat" cmpd="sng" algn="ctr">
+          <a:solidFill>
+            <a:schemeClr val="phClr"/>
+          </a:solidFill>
+          <a:prstDash val="solid"/>
+          <a:miter lim="800000"/>
+        </a:ln>
+        <a:ln w="19050" cap="flat" cmpd="sng" algn="ctr">
+          <a:solidFill>
+            <a:schemeClr val="phClr"/>
+          </a:solidFill>
+          <a:prstDash val="solid"/>
+          <a:miter lim="800000"/>
+        </a:ln>
+      </a:lnStyleLst>
+      <a:effectStyleLst>
+        <a:effectStyle>
+          <a:effectLst/>
+        </a:effectStyle>
+        <a:effectStyle>
+          <a:effectLst/>
+        </a:effectStyle>
+        <a:effectStyle>
+          <a:effectLst>
+            <a:outerShdw blurRad="57150" dist="19050" dir="5400000" algn="ctr" rotWithShape="0">
+              <a:srgbClr val="000000">
+                <a:alpha val="63000"/>
+              </a:srgbClr>
+            </a:outerShdw>
+          </a:effectLst>
+        </a:effectStyle>
+      </a:effectStyleLst>
+      <a:bgFillStyleLst>
+        <a:solidFill>
+          <a:schemeClr val="phClr"/>
+        </a:solidFill>
+        <a:solidFill>
+          <a:schemeClr val="phClr">
+            <a:tint val="95000"/>
+            <a:satMod val="170000"/>
+          </a:schemeClr>
+        </a:solidFill>
+        <a:gradFill rotWithShape="1">
+          <a:gsLst>
+            <a:gs pos="0">
+              <a:schemeClr val="phClr">
+                <a:tint val="93000"/>
+                <a:satMod val="150000"/>
+                <a:shade val="98000"/>
+                <a:lumMod val="102000"/>
+              </a:schemeClr>
+            </a:gs>
+            <a:gs pos="50000">
+              <a:schemeClr val="phClr">
+                <a:tint val="98000"/>
+                <a:satMod val="130000"/>
+                <a:shade val="90000"/>
+                <a:lumMod val="103000"/>
+              </a:schemeClr>
+            </a:gs>
+            <a:gs pos="100000">
+              <a:schemeClr val="phClr">
+                <a:shade val="63000"/>
+                <a:satMod val="120000"/>
+              </a:schemeClr>
+            </a:gs>
+          </a:gsLst>
+          <a:lin ang="5400000" scaled="0"/>
+        </a:gradFill>
+      </a:bgFillStyleLst>
+    </a:fmtScheme>
+  </a:themeElements>
   <a:extLst>
     <a:ext uri="{05A4C25C-085E-4340-85A3-A5531E510DB2}">
       <thm15:themeFamily xmlns:thm15="http://schemas.microsoft.com/office/thememl/2012/main" name="Office Theme" id="{62F939B6-93AF-4DB8-9C6B-D6C7DFDC589F}" vid="{4A3C46E8-61CC-4603-A589-7422A47A8E4A}"/>
